--- a/cnn.pptx
+++ b/cnn.pptx
@@ -302,7 +302,7 @@
           <a:p>
             <a:fld id="{91F9259A-1FE3-4FF9-8A07-BDD8177164ED}" type="datetime4">
               <a:rPr lang="en-US" smtClean="0"/>
-              <a:t>May 20, 2022</a:t>
+              <a:t>May 22, 2022</a:t>
             </a:fld>
             <a:endParaRPr lang="en-US"/>
           </a:p>
@@ -477,7 +477,7 @@
           <a:p>
             <a:fld id="{E5CC3C8F-D4A7-4EAD-92AD-82C91CB8BB85}" type="datetime4">
               <a:rPr lang="en-US" smtClean="0"/>
-              <a:t>May 20, 2022</a:t>
+              <a:t>May 22, 2022</a:t>
             </a:fld>
             <a:endParaRPr lang="en-US"/>
           </a:p>
@@ -714,7 +714,7 @@
           <a:p>
             <a:fld id="{BC011D41-E33C-4BC7-8272-37E8417FD097}" type="datetime4">
               <a:rPr lang="en-US" smtClean="0"/>
-              <a:t>May 20, 2022</a:t>
+              <a:t>May 22, 2022</a:t>
             </a:fld>
             <a:endParaRPr lang="en-US"/>
           </a:p>
@@ -919,7 +919,7 @@
           <a:p>
             <a:fld id="{5D340FED-6E95-4177-A7EF-CD303B9E611D}" type="datetime4">
               <a:rPr lang="en-US" smtClean="0"/>
-              <a:t>May 20, 2022</a:t>
+              <a:t>May 22, 2022</a:t>
             </a:fld>
             <a:endParaRPr lang="en-US"/>
           </a:p>
@@ -1209,7 +1209,7 @@
           <a:p>
             <a:fld id="{477962CB-39AD-45A9-800F-54DAB53D6021}" type="datetime4">
               <a:rPr lang="en-US" smtClean="0"/>
-              <a:t>May 20, 2022</a:t>
+              <a:t>May 22, 2022</a:t>
             </a:fld>
             <a:endParaRPr lang="en-US"/>
           </a:p>
@@ -1493,7 +1493,7 @@
           <a:p>
             <a:fld id="{2DEDF93D-55AB-4606-B9D7-742F1FC51983}" type="datetime4">
               <a:rPr lang="en-US" smtClean="0"/>
-              <a:t>May 20, 2022</a:t>
+              <a:t>May 22, 2022</a:t>
             </a:fld>
             <a:endParaRPr lang="en-US" dirty="0"/>
           </a:p>
@@ -1910,7 +1910,7 @@
           <a:p>
             <a:fld id="{DDF2841D-FB5C-47AB-B2FF-32E855C1EA71}" type="datetime4">
               <a:rPr lang="en-US" smtClean="0"/>
-              <a:t>May 20, 2022</a:t>
+              <a:t>May 22, 2022</a:t>
             </a:fld>
             <a:endParaRPr lang="en-US"/>
           </a:p>
@@ -2051,7 +2051,7 @@
           <a:p>
             <a:fld id="{118537E9-D174-424D-BEE8-AFC4CA5F9F97}" type="datetime4">
               <a:rPr lang="en-US" smtClean="0"/>
-              <a:t>May 20, 2022</a:t>
+              <a:t>May 22, 2022</a:t>
             </a:fld>
             <a:endParaRPr lang="en-US"/>
           </a:p>
@@ -2192,7 +2192,7 @@
           <a:p>
             <a:fld id="{1C7A44C0-F7AC-49C2-8289-1E7A86D9FB50}" type="datetime4">
               <a:rPr lang="en-US" smtClean="0"/>
-              <a:t>May 20, 2022</a:t>
+              <a:t>May 22, 2022</a:t>
             </a:fld>
             <a:endParaRPr lang="en-US"/>
           </a:p>
@@ -2507,7 +2507,7 @@
           <a:p>
             <a:fld id="{73BB84BC-6E78-40D1-8831-40AB1F596614}" type="datetime4">
               <a:rPr lang="en-US" smtClean="0"/>
-              <a:t>May 20, 2022</a:t>
+              <a:t>May 22, 2022</a:t>
             </a:fld>
             <a:endParaRPr lang="en-US"/>
           </a:p>
@@ -2800,7 +2800,7 @@
           <a:p>
             <a:fld id="{ADFA080F-3961-4D42-BEDE-84A1FED032F1}" type="datetime4">
               <a:rPr lang="en-US" smtClean="0"/>
-              <a:t>May 20, 2022</a:t>
+              <a:t>May 22, 2022</a:t>
             </a:fld>
             <a:endParaRPr lang="en-US"/>
           </a:p>
@@ -3082,7 +3082,7 @@
             <a:fld id="{A33960BD-7AC1-4217-9611-AAA56D3EE38F}" type="datetime4">
               <a:rPr lang="en-US" smtClean="0"/>
               <a:pPr/>
-              <a:t>May 20, 2022</a:t>
+              <a:t>May 22, 2022</a:t>
             </a:fld>
             <a:endParaRPr lang="en-US" dirty="0">
               <a:latin typeface="+mn-lt"/>
@@ -11572,7 +11572,7 @@
           <a:p>
             <a:r>
               <a:rPr lang="en-US" dirty="0"/>
-              <a:t>MNIST[10] is an established standard handwritten digit classification dataset. It is a 10- class classification problem having 60,000 training examples. (</a:t>
+              <a:t>Arabic Letters data set 13,440. (</a:t>
             </a:r>
             <a:r>
               <a:rPr lang="en-US" dirty="0" err="1"/>
@@ -11602,13 +11602,13 @@
           <a:p>
             <a:r>
               <a:rPr lang="en-US" dirty="0"/>
-              <a:t>Each image in 28x28 pixel</a:t>
+              <a:t>Each image in 32x32 pixel</a:t>
             </a:r>
           </a:p>
           <a:p>
             <a:r>
               <a:rPr lang="en-US" dirty="0"/>
-              <a:t>10 classes [0,1,2,3,4,5,6,7,8,9]</a:t>
+              <a:t>28 classes [1,2,3,……,28]</a:t>
             </a:r>
           </a:p>
         </p:txBody>
@@ -11771,7 +11771,7 @@
         </p:blipFill>
         <p:spPr>
           <a:xfrm>
-            <a:off x="462116" y="2932673"/>
+            <a:off x="309716" y="3094906"/>
             <a:ext cx="11572568" cy="3925327"/>
           </a:xfrm>
           <a:prstGeom prst="rect">
@@ -11795,6 +11795,14 @@
 <file path=ppt/slides/slide5.xml><?xml version="1.0" encoding="utf-8"?>
 <p:sld xmlns:a="http://schemas.openxmlformats.org/drawingml/2006/main" xmlns:r="http://schemas.openxmlformats.org/officeDocument/2006/relationships" xmlns:p="http://schemas.openxmlformats.org/presentationml/2006/main">
   <p:cSld>
+    <p:bg>
+      <p:bgPr>
+        <a:solidFill>
+          <a:schemeClr val="bg1"/>
+        </a:solidFill>
+        <a:effectLst/>
+      </p:bgPr>
+    </p:bg>
     <p:spTree>
       <p:nvGrpSpPr>
         <p:cNvPr id="1" name=""/>
@@ -11809,6 +11817,2084 @@
           <a:chExt cx="0" cy="0"/>
         </a:xfrm>
       </p:grpSpPr>
+      <p:sp useBgFill="1">
+        <p:nvSpPr>
+          <p:cNvPr id="18" name="Rectangle 17">
+            <a:extLst>
+              <a:ext uri="{FF2B5EF4-FFF2-40B4-BE49-F238E27FC236}">
+                <a16:creationId xmlns:a16="http://schemas.microsoft.com/office/drawing/2014/main" id="{B15E46E1-B54D-4C21-89C1-94645CDF684D}"/>
+              </a:ext>
+              <a:ext uri="{C183D7F6-B498-43B3-948B-1728B52AA6E4}">
+                <adec:decorative xmlns:adec="http://schemas.microsoft.com/office/drawing/2017/decorative" val="1"/>
+              </a:ext>
+            </a:extLst>
+          </p:cNvPr>
+          <p:cNvSpPr>
+            <a:spLocks noGrp="1" noRot="1" noChangeAspect="1" noMove="1" noResize="1" noEditPoints="1" noAdjustHandles="1" noChangeArrowheads="1" noChangeShapeType="1" noTextEdit="1"/>
+          </p:cNvSpPr>
+          <p:nvPr>
+            <p:extLst>
+              <p:ext uri="{386F3935-93C4-4BCD-93E2-E3B085C9AB24}">
+                <p16:designElem xmlns:p16="http://schemas.microsoft.com/office/powerpoint/2015/main" val="1"/>
+              </p:ext>
+            </p:extLst>
+          </p:nvPr>
+        </p:nvSpPr>
+        <p:spPr>
+          <a:xfrm>
+            <a:off x="-5194" y="0"/>
+            <a:ext cx="12221320" cy="6858000"/>
+          </a:xfrm>
+          <a:prstGeom prst="rect">
+            <a:avLst/>
+          </a:prstGeom>
+          <a:ln w="12700" cap="flat" cmpd="sng" algn="ctr">
+            <a:noFill/>
+            <a:prstDash val="solid"/>
+            <a:miter lim="800000"/>
+          </a:ln>
+          <a:effectLst/>
+          <a:extLst>
+            <a:ext uri="{91240B29-F687-4F45-9708-019B960494DF}">
+              <a14:hiddenLine xmlns:a14="http://schemas.microsoft.com/office/drawing/2010/main" w="12700" cap="flat" cmpd="sng" algn="ctr">
+                <a:solidFill>
+                  <a:schemeClr val="accent1">
+                    <a:shade val="50000"/>
+                  </a:schemeClr>
+                </a:solidFill>
+                <a:prstDash val="solid"/>
+                <a:miter lim="800000"/>
+              </a14:hiddenLine>
+            </a:ext>
+          </a:extLst>
+        </p:spPr>
+        <p:style>
+          <a:lnRef idx="2">
+            <a:schemeClr val="accent1">
+              <a:shade val="50000"/>
+            </a:schemeClr>
+          </a:lnRef>
+          <a:fillRef idx="1">
+            <a:schemeClr val="accent1"/>
+          </a:fillRef>
+          <a:effectRef idx="0">
+            <a:schemeClr val="accent1"/>
+          </a:effectRef>
+          <a:fontRef idx="minor">
+            <a:schemeClr val="lt1"/>
+          </a:fontRef>
+        </p:style>
+        <p:txBody>
+          <a:bodyPr rtlCol="0" anchor="ctr"/>
+          <a:lstStyle/>
+          <a:p>
+            <a:pPr algn="ctr"/>
+            <a:endParaRPr lang="en-US"/>
+          </a:p>
+        </p:txBody>
+      </p:sp>
+      <p:sp>
+        <p:nvSpPr>
+          <p:cNvPr id="20" name="Freeform: Shape 19">
+            <a:extLst>
+              <a:ext uri="{FF2B5EF4-FFF2-40B4-BE49-F238E27FC236}">
+                <a16:creationId xmlns:a16="http://schemas.microsoft.com/office/drawing/2014/main" id="{508DFA20-FF63-4A3F-BB33-CF2DEA05F30F}"/>
+              </a:ext>
+              <a:ext uri="{C183D7F6-B498-43B3-948B-1728B52AA6E4}">
+                <adec:decorative xmlns:adec="http://schemas.microsoft.com/office/drawing/2017/decorative" val="1"/>
+              </a:ext>
+            </a:extLst>
+          </p:cNvPr>
+          <p:cNvSpPr>
+            <a:spLocks noGrp="1" noRot="1" noChangeAspect="1" noMove="1" noResize="1" noEditPoints="1" noAdjustHandles="1" noChangeArrowheads="1" noChangeShapeType="1" noTextEdit="1"/>
+          </p:cNvSpPr>
+          <p:nvPr>
+            <p:extLst>
+              <p:ext uri="{386F3935-93C4-4BCD-93E2-E3B085C9AB24}">
+                <p16:designElem xmlns:p16="http://schemas.microsoft.com/office/powerpoint/2015/main" val="1"/>
+              </p:ext>
+            </p:extLst>
+          </p:nvPr>
+        </p:nvSpPr>
+        <p:spPr>
+          <a:xfrm>
+            <a:off x="-14660" y="0"/>
+            <a:ext cx="12226455" cy="2094438"/>
+          </a:xfrm>
+          <a:custGeom>
+            <a:avLst/>
+            <a:gdLst>
+              <a:gd name="connsiteX0" fmla="*/ 14660 w 12226455"/>
+              <a:gd name="connsiteY0" fmla="*/ 0 h 2094438"/>
+              <a:gd name="connsiteX1" fmla="*/ 12226455 w 12226455"/>
+              <a:gd name="connsiteY1" fmla="*/ 0 h 2094438"/>
+              <a:gd name="connsiteX2" fmla="*/ 12226455 w 12226455"/>
+              <a:gd name="connsiteY2" fmla="*/ 457198 h 2094438"/>
+              <a:gd name="connsiteX3" fmla="*/ 12226455 w 12226455"/>
+              <a:gd name="connsiteY3" fmla="*/ 1016758 h 2094438"/>
+              <a:gd name="connsiteX4" fmla="*/ 12226455 w 12226455"/>
+              <a:gd name="connsiteY4" fmla="*/ 1392257 h 2094438"/>
+              <a:gd name="connsiteX5" fmla="*/ 12210010 w 12226455"/>
+              <a:gd name="connsiteY5" fmla="*/ 1392079 h 2094438"/>
+              <a:gd name="connsiteX6" fmla="*/ 12097957 w 12226455"/>
+              <a:gd name="connsiteY6" fmla="*/ 1378121 h 2094438"/>
+              <a:gd name="connsiteX7" fmla="*/ 11705048 w 12226455"/>
+              <a:gd name="connsiteY7" fmla="*/ 1504448 h 2094438"/>
+              <a:gd name="connsiteX8" fmla="*/ 11578252 w 12226455"/>
+              <a:gd name="connsiteY8" fmla="*/ 1622780 h 2094438"/>
+              <a:gd name="connsiteX9" fmla="*/ 11441414 w 12226455"/>
+              <a:gd name="connsiteY9" fmla="*/ 1671606 h 2094438"/>
+              <a:gd name="connsiteX10" fmla="*/ 11384400 w 12226455"/>
+              <a:gd name="connsiteY10" fmla="*/ 1726735 h 2094438"/>
+              <a:gd name="connsiteX11" fmla="*/ 11243987 w 12226455"/>
+              <a:gd name="connsiteY11" fmla="*/ 1775920 h 2094438"/>
+              <a:gd name="connsiteX12" fmla="*/ 11146741 w 12226455"/>
+              <a:gd name="connsiteY12" fmla="*/ 1786963 h 2094438"/>
+              <a:gd name="connsiteX13" fmla="*/ 10932107 w 12226455"/>
+              <a:gd name="connsiteY13" fmla="*/ 1783616 h 2094438"/>
+              <a:gd name="connsiteX14" fmla="*/ 10374059 w 12226455"/>
+              <a:gd name="connsiteY14" fmla="*/ 1797882 h 2094438"/>
+              <a:gd name="connsiteX15" fmla="*/ 10227592 w 12226455"/>
+              <a:gd name="connsiteY15" fmla="*/ 1817257 h 2094438"/>
+              <a:gd name="connsiteX16" fmla="*/ 10015680 w 12226455"/>
+              <a:gd name="connsiteY16" fmla="*/ 1830474 h 2094438"/>
+              <a:gd name="connsiteX17" fmla="*/ 9411126 w 12226455"/>
+              <a:gd name="connsiteY17" fmla="*/ 1869136 h 2094438"/>
+              <a:gd name="connsiteX18" fmla="*/ 9341661 w 12226455"/>
+              <a:gd name="connsiteY18" fmla="*/ 1903018 h 2094438"/>
+              <a:gd name="connsiteX19" fmla="*/ 9091392 w 12226455"/>
+              <a:gd name="connsiteY19" fmla="*/ 1925623 h 2094438"/>
+              <a:gd name="connsiteX20" fmla="*/ 9046316 w 12226455"/>
+              <a:gd name="connsiteY20" fmla="*/ 1931643 h 2094438"/>
+              <a:gd name="connsiteX21" fmla="*/ 8924496 w 12226455"/>
+              <a:gd name="connsiteY21" fmla="*/ 1934111 h 2094438"/>
+              <a:gd name="connsiteX22" fmla="*/ 8730039 w 12226455"/>
+              <a:gd name="connsiteY22" fmla="*/ 1958718 h 2094438"/>
+              <a:gd name="connsiteX23" fmla="*/ 8637317 w 12226455"/>
+              <a:gd name="connsiteY23" fmla="*/ 1976178 h 2094438"/>
+              <a:gd name="connsiteX24" fmla="*/ 8497138 w 12226455"/>
+              <a:gd name="connsiteY24" fmla="*/ 2026648 h 2094438"/>
+              <a:gd name="connsiteX25" fmla="*/ 8281534 w 12226455"/>
+              <a:gd name="connsiteY25" fmla="*/ 2036428 h 2094438"/>
+              <a:gd name="connsiteX26" fmla="*/ 8275009 w 12226455"/>
+              <a:gd name="connsiteY26" fmla="*/ 2036933 h 2094438"/>
+              <a:gd name="connsiteX27" fmla="*/ 8215546 w 12226455"/>
+              <a:gd name="connsiteY27" fmla="*/ 2024013 h 2094438"/>
+              <a:gd name="connsiteX28" fmla="*/ 8191205 w 12226455"/>
+              <a:gd name="connsiteY28" fmla="*/ 2026109 h 2094438"/>
+              <a:gd name="connsiteX29" fmla="*/ 8022833 w 12226455"/>
+              <a:gd name="connsiteY29" fmla="*/ 2020804 h 2094438"/>
+              <a:gd name="connsiteX30" fmla="*/ 7842457 w 12226455"/>
+              <a:gd name="connsiteY30" fmla="*/ 2032833 h 2094438"/>
+              <a:gd name="connsiteX31" fmla="*/ 7623424 w 12226455"/>
+              <a:gd name="connsiteY31" fmla="*/ 2023819 h 2094438"/>
+              <a:gd name="connsiteX32" fmla="*/ 7513247 w 12226455"/>
+              <a:gd name="connsiteY32" fmla="*/ 2034454 h 2094438"/>
+              <a:gd name="connsiteX33" fmla="*/ 7252408 w 12226455"/>
+              <a:gd name="connsiteY33" fmla="*/ 2048724 h 2094438"/>
+              <a:gd name="connsiteX34" fmla="*/ 7058491 w 12226455"/>
+              <a:gd name="connsiteY34" fmla="*/ 2026452 h 2094438"/>
+              <a:gd name="connsiteX35" fmla="*/ 7014654 w 12226455"/>
+              <a:gd name="connsiteY35" fmla="*/ 2008338 h 2094438"/>
+              <a:gd name="connsiteX36" fmla="*/ 6869558 w 12226455"/>
+              <a:gd name="connsiteY36" fmla="*/ 2009516 h 2094438"/>
+              <a:gd name="connsiteX37" fmla="*/ 6801700 w 12226455"/>
+              <a:gd name="connsiteY37" fmla="*/ 1992683 h 2094438"/>
+              <a:gd name="connsiteX38" fmla="*/ 6630448 w 12226455"/>
+              <a:gd name="connsiteY38" fmla="*/ 1990539 h 2094438"/>
+              <a:gd name="connsiteX39" fmla="*/ 6343083 w 12226455"/>
+              <a:gd name="connsiteY39" fmla="*/ 1975132 h 2094438"/>
+              <a:gd name="connsiteX40" fmla="*/ 6118325 w 12226455"/>
+              <a:gd name="connsiteY40" fmla="*/ 1977815 h 2094438"/>
+              <a:gd name="connsiteX41" fmla="*/ 5951117 w 12226455"/>
+              <a:gd name="connsiteY41" fmla="*/ 1980301 h 2094438"/>
+              <a:gd name="connsiteX42" fmla="*/ 5899039 w 12226455"/>
+              <a:gd name="connsiteY42" fmla="*/ 1970051 h 2094438"/>
+              <a:gd name="connsiteX43" fmla="*/ 5826960 w 12226455"/>
+              <a:gd name="connsiteY43" fmla="*/ 1971340 h 2094438"/>
+              <a:gd name="connsiteX44" fmla="*/ 5750590 w 12226455"/>
+              <a:gd name="connsiteY44" fmla="*/ 1974055 h 2094438"/>
+              <a:gd name="connsiteX45" fmla="*/ 5692650 w 12226455"/>
+              <a:gd name="connsiteY45" fmla="*/ 1973132 h 2094438"/>
+              <a:gd name="connsiteX46" fmla="*/ 5707621 w 12226455"/>
+              <a:gd name="connsiteY46" fmla="*/ 1971397 h 2094438"/>
+              <a:gd name="connsiteX47" fmla="*/ 5678447 w 12226455"/>
+              <a:gd name="connsiteY47" fmla="*/ 1972906 h 2094438"/>
+              <a:gd name="connsiteX48" fmla="*/ 5692650 w 12226455"/>
+              <a:gd name="connsiteY48" fmla="*/ 1973132 h 2094438"/>
+              <a:gd name="connsiteX49" fmla="*/ 5624294 w 12226455"/>
+              <a:gd name="connsiteY49" fmla="*/ 1981056 h 2094438"/>
+              <a:gd name="connsiteX50" fmla="*/ 5554110 w 12226455"/>
+              <a:gd name="connsiteY50" fmla="*/ 1965114 h 2094438"/>
+              <a:gd name="connsiteX51" fmla="*/ 5488422 w 12226455"/>
+              <a:gd name="connsiteY51" fmla="*/ 1963610 h 2094438"/>
+              <a:gd name="connsiteX52" fmla="*/ 5234009 w 12226455"/>
+              <a:gd name="connsiteY52" fmla="*/ 1945946 h 2094438"/>
+              <a:gd name="connsiteX53" fmla="*/ 5054956 w 12226455"/>
+              <a:gd name="connsiteY53" fmla="*/ 1961326 h 2094438"/>
+              <a:gd name="connsiteX54" fmla="*/ 4968494 w 12226455"/>
+              <a:gd name="connsiteY54" fmla="*/ 1980959 h 2094438"/>
+              <a:gd name="connsiteX55" fmla="*/ 4887159 w 12226455"/>
+              <a:gd name="connsiteY55" fmla="*/ 1987230 h 2094438"/>
+              <a:gd name="connsiteX56" fmla="*/ 4823752 w 12226455"/>
+              <a:gd name="connsiteY56" fmla="*/ 2010623 h 2094438"/>
+              <a:gd name="connsiteX57" fmla="*/ 4763730 w 12226455"/>
+              <a:gd name="connsiteY57" fmla="*/ 2037027 h 2094438"/>
+              <a:gd name="connsiteX58" fmla="*/ 4758100 w 12226455"/>
+              <a:gd name="connsiteY58" fmla="*/ 2037626 h 2094438"/>
+              <a:gd name="connsiteX59" fmla="*/ 4753293 w 12226455"/>
+              <a:gd name="connsiteY59" fmla="*/ 2034727 h 2094438"/>
+              <a:gd name="connsiteX60" fmla="*/ 4738854 w 12226455"/>
+              <a:gd name="connsiteY60" fmla="*/ 2040382 h 2094438"/>
+              <a:gd name="connsiteX61" fmla="*/ 4679090 w 12226455"/>
+              <a:gd name="connsiteY61" fmla="*/ 2049175 h 2094438"/>
+              <a:gd name="connsiteX62" fmla="*/ 4670823 w 12226455"/>
+              <a:gd name="connsiteY62" fmla="*/ 2060199 h 2094438"/>
+              <a:gd name="connsiteX63" fmla="*/ 4652693 w 12226455"/>
+              <a:gd name="connsiteY63" fmla="*/ 2068081 h 2094438"/>
+              <a:gd name="connsiteX64" fmla="*/ 4596668 w 12226455"/>
+              <a:gd name="connsiteY64" fmla="*/ 2066844 h 2094438"/>
+              <a:gd name="connsiteX65" fmla="*/ 4515079 w 12226455"/>
+              <a:gd name="connsiteY65" fmla="*/ 2093488 h 2094438"/>
+              <a:gd name="connsiteX66" fmla="*/ 4359987 w 12226455"/>
+              <a:gd name="connsiteY66" fmla="*/ 2087091 h 2094438"/>
+              <a:gd name="connsiteX67" fmla="*/ 4299514 w 12226455"/>
+              <a:gd name="connsiteY67" fmla="*/ 2072092 h 2094438"/>
+              <a:gd name="connsiteX68" fmla="*/ 4215049 w 12226455"/>
+              <a:gd name="connsiteY68" fmla="*/ 2078442 h 2094438"/>
+              <a:gd name="connsiteX69" fmla="*/ 4182398 w 12226455"/>
+              <a:gd name="connsiteY69" fmla="*/ 2068549 h 2094438"/>
+              <a:gd name="connsiteX70" fmla="*/ 4148880 w 12226455"/>
+              <a:gd name="connsiteY70" fmla="*/ 2087980 h 2094438"/>
+              <a:gd name="connsiteX71" fmla="*/ 4132217 w 12226455"/>
+              <a:gd name="connsiteY71" fmla="*/ 2074087 h 2094438"/>
+              <a:gd name="connsiteX72" fmla="*/ 4073825 w 12226455"/>
+              <a:gd name="connsiteY72" fmla="*/ 2078770 h 2094438"/>
+              <a:gd name="connsiteX73" fmla="*/ 3997663 w 12226455"/>
+              <a:gd name="connsiteY73" fmla="*/ 2084777 h 2094438"/>
+              <a:gd name="connsiteX74" fmla="*/ 4004645 w 12226455"/>
+              <a:gd name="connsiteY74" fmla="*/ 2091682 h 2094438"/>
+              <a:gd name="connsiteX75" fmla="*/ 3969056 w 12226455"/>
+              <a:gd name="connsiteY75" fmla="*/ 2094067 h 2094438"/>
+              <a:gd name="connsiteX76" fmla="*/ 3959847 w 12226455"/>
+              <a:gd name="connsiteY76" fmla="*/ 2091531 h 2094438"/>
+              <a:gd name="connsiteX77" fmla="*/ 3925749 w 12226455"/>
+              <a:gd name="connsiteY77" fmla="*/ 2090653 h 2094438"/>
+              <a:gd name="connsiteX78" fmla="*/ 3860022 w 12226455"/>
+              <a:gd name="connsiteY78" fmla="*/ 2080934 h 2094438"/>
+              <a:gd name="connsiteX79" fmla="*/ 3741602 w 12226455"/>
+              <a:gd name="connsiteY79" fmla="*/ 2071656 h 2094438"/>
+              <a:gd name="connsiteX80" fmla="*/ 3608325 w 12226455"/>
+              <a:gd name="connsiteY80" fmla="*/ 2079355 h 2094438"/>
+              <a:gd name="connsiteX81" fmla="*/ 3491740 w 12226455"/>
+              <a:gd name="connsiteY81" fmla="*/ 2092551 h 2094438"/>
+              <a:gd name="connsiteX82" fmla="*/ 3381317 w 12226455"/>
+              <a:gd name="connsiteY82" fmla="*/ 2072555 h 2094438"/>
+              <a:gd name="connsiteX83" fmla="*/ 3248436 w 12226455"/>
+              <a:gd name="connsiteY83" fmla="*/ 2062278 h 2094438"/>
+              <a:gd name="connsiteX84" fmla="*/ 3028186 w 12226455"/>
+              <a:gd name="connsiteY84" fmla="*/ 2060434 h 2094438"/>
+              <a:gd name="connsiteX85" fmla="*/ 2637295 w 12226455"/>
+              <a:gd name="connsiteY85" fmla="*/ 2026539 h 2094438"/>
+              <a:gd name="connsiteX86" fmla="*/ 2222596 w 12226455"/>
+              <a:gd name="connsiteY86" fmla="*/ 1936508 h 2094438"/>
+              <a:gd name="connsiteX87" fmla="*/ 2139456 w 12226455"/>
+              <a:gd name="connsiteY87" fmla="*/ 1911826 h 2094438"/>
+              <a:gd name="connsiteX88" fmla="*/ 1981598 w 12226455"/>
+              <a:gd name="connsiteY88" fmla="*/ 1886446 h 2094438"/>
+              <a:gd name="connsiteX89" fmla="*/ 1980797 w 12226455"/>
+              <a:gd name="connsiteY89" fmla="*/ 1886431 h 2094438"/>
+              <a:gd name="connsiteX90" fmla="*/ 1980797 w 12226455"/>
+              <a:gd name="connsiteY90" fmla="*/ 1871257 h 2094438"/>
+              <a:gd name="connsiteX91" fmla="*/ 1849717 w 12226455"/>
+              <a:gd name="connsiteY91" fmla="*/ 1881890 h 2094438"/>
+              <a:gd name="connsiteX92" fmla="*/ 1687091 w 12226455"/>
+              <a:gd name="connsiteY92" fmla="*/ 1842347 h 2094438"/>
+              <a:gd name="connsiteX93" fmla="*/ 1596958 w 12226455"/>
+              <a:gd name="connsiteY93" fmla="*/ 1804773 h 2094438"/>
+              <a:gd name="connsiteX94" fmla="*/ 1521970 w 12226455"/>
+              <a:gd name="connsiteY94" fmla="*/ 1790233 h 2094438"/>
+              <a:gd name="connsiteX95" fmla="*/ 1412763 w 12226455"/>
+              <a:gd name="connsiteY95" fmla="*/ 1794175 h 2094438"/>
+              <a:gd name="connsiteX96" fmla="*/ 1296465 w 12226455"/>
+              <a:gd name="connsiteY96" fmla="*/ 1797322 h 2094438"/>
+              <a:gd name="connsiteX97" fmla="*/ 1289314 w 12226455"/>
+              <a:gd name="connsiteY97" fmla="*/ 1796575 h 2094438"/>
+              <a:gd name="connsiteX98" fmla="*/ 1209396 w 12226455"/>
+              <a:gd name="connsiteY98" fmla="*/ 1799340 h 2094438"/>
+              <a:gd name="connsiteX99" fmla="*/ 1178816 w 12226455"/>
+              <a:gd name="connsiteY99" fmla="*/ 1797726 h 2094438"/>
+              <a:gd name="connsiteX100" fmla="*/ 1118448 w 12226455"/>
+              <a:gd name="connsiteY100" fmla="*/ 1799162 h 2094438"/>
+              <a:gd name="connsiteX101" fmla="*/ 1109457 w 12226455"/>
+              <a:gd name="connsiteY101" fmla="*/ 1799309 h 2094438"/>
+              <a:gd name="connsiteX102" fmla="*/ 1051695 w 12226455"/>
+              <a:gd name="connsiteY102" fmla="*/ 1795466 h 2094438"/>
+              <a:gd name="connsiteX103" fmla="*/ 1047719 w 12226455"/>
+              <a:gd name="connsiteY103" fmla="*/ 1796377 h 2094438"/>
+              <a:gd name="connsiteX104" fmla="*/ 1013633 w 12226455"/>
+              <a:gd name="connsiteY104" fmla="*/ 1794723 h 2094438"/>
+              <a:gd name="connsiteX105" fmla="*/ 1008016 w 12226455"/>
+              <a:gd name="connsiteY105" fmla="*/ 1792656 h 2094438"/>
+              <a:gd name="connsiteX106" fmla="*/ 999124 w 12226455"/>
+              <a:gd name="connsiteY106" fmla="*/ 1794019 h 2094438"/>
+              <a:gd name="connsiteX107" fmla="*/ 955075 w 12226455"/>
+              <a:gd name="connsiteY107" fmla="*/ 1791883 h 2094438"/>
+              <a:gd name="connsiteX108" fmla="*/ 882562 w 12226455"/>
+              <a:gd name="connsiteY108" fmla="*/ 1796804 h 2094438"/>
+              <a:gd name="connsiteX109" fmla="*/ 879961 w 12226455"/>
+              <a:gd name="connsiteY109" fmla="*/ 1796413 h 2094438"/>
+              <a:gd name="connsiteX110" fmla="*/ 879375 w 12226455"/>
+              <a:gd name="connsiteY110" fmla="*/ 1796200 h 2094438"/>
+              <a:gd name="connsiteX111" fmla="*/ 826826 w 12226455"/>
+              <a:gd name="connsiteY111" fmla="*/ 1773120 h 2094438"/>
+              <a:gd name="connsiteX112" fmla="*/ 788810 w 12226455"/>
+              <a:gd name="connsiteY112" fmla="*/ 1780877 h 2094438"/>
+              <a:gd name="connsiteX113" fmla="*/ 786858 w 12226455"/>
+              <a:gd name="connsiteY113" fmla="*/ 1782406 h 2094438"/>
+              <a:gd name="connsiteX114" fmla="*/ 719311 w 12226455"/>
+              <a:gd name="connsiteY114" fmla="*/ 1772245 h 2094438"/>
+              <a:gd name="connsiteX115" fmla="*/ 605941 w 12226455"/>
+              <a:gd name="connsiteY115" fmla="*/ 1750592 h 2094438"/>
+              <a:gd name="connsiteX116" fmla="*/ 571662 w 12226455"/>
+              <a:gd name="connsiteY116" fmla="*/ 1759938 h 2094438"/>
+              <a:gd name="connsiteX117" fmla="*/ 561295 w 12226455"/>
+              <a:gd name="connsiteY117" fmla="*/ 1764746 h 2094438"/>
+              <a:gd name="connsiteX118" fmla="*/ 552495 w 12226455"/>
+              <a:gd name="connsiteY118" fmla="*/ 1762244 h 2094438"/>
+              <a:gd name="connsiteX119" fmla="*/ 387891 w 12226455"/>
+              <a:gd name="connsiteY119" fmla="*/ 1712379 h 2094438"/>
+              <a:gd name="connsiteX120" fmla="*/ 264389 w 12226455"/>
+              <a:gd name="connsiteY120" fmla="*/ 1691576 h 2094438"/>
+              <a:gd name="connsiteX121" fmla="*/ 155395 w 12226455"/>
+              <a:gd name="connsiteY121" fmla="*/ 1682653 h 2094438"/>
+              <a:gd name="connsiteX122" fmla="*/ 114621 w 12226455"/>
+              <a:gd name="connsiteY122" fmla="*/ 1682091 h 2094438"/>
+              <a:gd name="connsiteX123" fmla="*/ 84645 w 12226455"/>
+              <a:gd name="connsiteY123" fmla="*/ 1684851 h 2094438"/>
+              <a:gd name="connsiteX124" fmla="*/ 10003 w 12226455"/>
+              <a:gd name="connsiteY124" fmla="*/ 1674828 h 2094438"/>
+              <a:gd name="connsiteX125" fmla="*/ 0 w 12226455"/>
+              <a:gd name="connsiteY125" fmla="*/ 1673934 h 2094438"/>
+              <a:gd name="connsiteX126" fmla="*/ 0 w 12226455"/>
+              <a:gd name="connsiteY126" fmla="*/ 457198 h 2094438"/>
+              <a:gd name="connsiteX127" fmla="*/ 14660 w 12226455"/>
+              <a:gd name="connsiteY127" fmla="*/ 457198 h 2094438"/>
+              <a:gd name="connsiteX0" fmla="*/ 14660 w 12226455"/>
+              <a:gd name="connsiteY0" fmla="*/ 0 h 2094438"/>
+              <a:gd name="connsiteX1" fmla="*/ 12226455 w 12226455"/>
+              <a:gd name="connsiteY1" fmla="*/ 0 h 2094438"/>
+              <a:gd name="connsiteX2" fmla="*/ 12226455 w 12226455"/>
+              <a:gd name="connsiteY2" fmla="*/ 457198 h 2094438"/>
+              <a:gd name="connsiteX3" fmla="*/ 12226455 w 12226455"/>
+              <a:gd name="connsiteY3" fmla="*/ 1016758 h 2094438"/>
+              <a:gd name="connsiteX4" fmla="*/ 12226455 w 12226455"/>
+              <a:gd name="connsiteY4" fmla="*/ 1392257 h 2094438"/>
+              <a:gd name="connsiteX5" fmla="*/ 12210010 w 12226455"/>
+              <a:gd name="connsiteY5" fmla="*/ 1392079 h 2094438"/>
+              <a:gd name="connsiteX6" fmla="*/ 12097957 w 12226455"/>
+              <a:gd name="connsiteY6" fmla="*/ 1378121 h 2094438"/>
+              <a:gd name="connsiteX7" fmla="*/ 11705048 w 12226455"/>
+              <a:gd name="connsiteY7" fmla="*/ 1504448 h 2094438"/>
+              <a:gd name="connsiteX8" fmla="*/ 11578252 w 12226455"/>
+              <a:gd name="connsiteY8" fmla="*/ 1622780 h 2094438"/>
+              <a:gd name="connsiteX9" fmla="*/ 11441414 w 12226455"/>
+              <a:gd name="connsiteY9" fmla="*/ 1671606 h 2094438"/>
+              <a:gd name="connsiteX10" fmla="*/ 11384400 w 12226455"/>
+              <a:gd name="connsiteY10" fmla="*/ 1726735 h 2094438"/>
+              <a:gd name="connsiteX11" fmla="*/ 11243987 w 12226455"/>
+              <a:gd name="connsiteY11" fmla="*/ 1775920 h 2094438"/>
+              <a:gd name="connsiteX12" fmla="*/ 11146741 w 12226455"/>
+              <a:gd name="connsiteY12" fmla="*/ 1786963 h 2094438"/>
+              <a:gd name="connsiteX13" fmla="*/ 10932107 w 12226455"/>
+              <a:gd name="connsiteY13" fmla="*/ 1783616 h 2094438"/>
+              <a:gd name="connsiteX14" fmla="*/ 10374059 w 12226455"/>
+              <a:gd name="connsiteY14" fmla="*/ 1797882 h 2094438"/>
+              <a:gd name="connsiteX15" fmla="*/ 10227592 w 12226455"/>
+              <a:gd name="connsiteY15" fmla="*/ 1817257 h 2094438"/>
+              <a:gd name="connsiteX16" fmla="*/ 10015680 w 12226455"/>
+              <a:gd name="connsiteY16" fmla="*/ 1830474 h 2094438"/>
+              <a:gd name="connsiteX17" fmla="*/ 9411126 w 12226455"/>
+              <a:gd name="connsiteY17" fmla="*/ 1869136 h 2094438"/>
+              <a:gd name="connsiteX18" fmla="*/ 9341661 w 12226455"/>
+              <a:gd name="connsiteY18" fmla="*/ 1903018 h 2094438"/>
+              <a:gd name="connsiteX19" fmla="*/ 9091392 w 12226455"/>
+              <a:gd name="connsiteY19" fmla="*/ 1925623 h 2094438"/>
+              <a:gd name="connsiteX20" fmla="*/ 9046316 w 12226455"/>
+              <a:gd name="connsiteY20" fmla="*/ 1931643 h 2094438"/>
+              <a:gd name="connsiteX21" fmla="*/ 8924496 w 12226455"/>
+              <a:gd name="connsiteY21" fmla="*/ 1934111 h 2094438"/>
+              <a:gd name="connsiteX22" fmla="*/ 8730039 w 12226455"/>
+              <a:gd name="connsiteY22" fmla="*/ 1958718 h 2094438"/>
+              <a:gd name="connsiteX23" fmla="*/ 8637317 w 12226455"/>
+              <a:gd name="connsiteY23" fmla="*/ 1976178 h 2094438"/>
+              <a:gd name="connsiteX24" fmla="*/ 8497138 w 12226455"/>
+              <a:gd name="connsiteY24" fmla="*/ 2026648 h 2094438"/>
+              <a:gd name="connsiteX25" fmla="*/ 8281534 w 12226455"/>
+              <a:gd name="connsiteY25" fmla="*/ 2036428 h 2094438"/>
+              <a:gd name="connsiteX26" fmla="*/ 8275009 w 12226455"/>
+              <a:gd name="connsiteY26" fmla="*/ 2036933 h 2094438"/>
+              <a:gd name="connsiteX27" fmla="*/ 8215546 w 12226455"/>
+              <a:gd name="connsiteY27" fmla="*/ 2024013 h 2094438"/>
+              <a:gd name="connsiteX28" fmla="*/ 8191205 w 12226455"/>
+              <a:gd name="connsiteY28" fmla="*/ 2026109 h 2094438"/>
+              <a:gd name="connsiteX29" fmla="*/ 8022833 w 12226455"/>
+              <a:gd name="connsiteY29" fmla="*/ 2020804 h 2094438"/>
+              <a:gd name="connsiteX30" fmla="*/ 7842457 w 12226455"/>
+              <a:gd name="connsiteY30" fmla="*/ 2032833 h 2094438"/>
+              <a:gd name="connsiteX31" fmla="*/ 7623424 w 12226455"/>
+              <a:gd name="connsiteY31" fmla="*/ 2023819 h 2094438"/>
+              <a:gd name="connsiteX32" fmla="*/ 7513247 w 12226455"/>
+              <a:gd name="connsiteY32" fmla="*/ 2034454 h 2094438"/>
+              <a:gd name="connsiteX33" fmla="*/ 7252408 w 12226455"/>
+              <a:gd name="connsiteY33" fmla="*/ 2048724 h 2094438"/>
+              <a:gd name="connsiteX34" fmla="*/ 7058491 w 12226455"/>
+              <a:gd name="connsiteY34" fmla="*/ 2026452 h 2094438"/>
+              <a:gd name="connsiteX35" fmla="*/ 7014654 w 12226455"/>
+              <a:gd name="connsiteY35" fmla="*/ 2008338 h 2094438"/>
+              <a:gd name="connsiteX36" fmla="*/ 6869558 w 12226455"/>
+              <a:gd name="connsiteY36" fmla="*/ 2009516 h 2094438"/>
+              <a:gd name="connsiteX37" fmla="*/ 6801700 w 12226455"/>
+              <a:gd name="connsiteY37" fmla="*/ 1992683 h 2094438"/>
+              <a:gd name="connsiteX38" fmla="*/ 6630448 w 12226455"/>
+              <a:gd name="connsiteY38" fmla="*/ 1990539 h 2094438"/>
+              <a:gd name="connsiteX39" fmla="*/ 6343083 w 12226455"/>
+              <a:gd name="connsiteY39" fmla="*/ 1975132 h 2094438"/>
+              <a:gd name="connsiteX40" fmla="*/ 6118325 w 12226455"/>
+              <a:gd name="connsiteY40" fmla="*/ 1977815 h 2094438"/>
+              <a:gd name="connsiteX41" fmla="*/ 5951117 w 12226455"/>
+              <a:gd name="connsiteY41" fmla="*/ 1980301 h 2094438"/>
+              <a:gd name="connsiteX42" fmla="*/ 5899039 w 12226455"/>
+              <a:gd name="connsiteY42" fmla="*/ 1970051 h 2094438"/>
+              <a:gd name="connsiteX43" fmla="*/ 5826960 w 12226455"/>
+              <a:gd name="connsiteY43" fmla="*/ 1971340 h 2094438"/>
+              <a:gd name="connsiteX44" fmla="*/ 5750590 w 12226455"/>
+              <a:gd name="connsiteY44" fmla="*/ 1974055 h 2094438"/>
+              <a:gd name="connsiteX45" fmla="*/ 5692650 w 12226455"/>
+              <a:gd name="connsiteY45" fmla="*/ 1973132 h 2094438"/>
+              <a:gd name="connsiteX46" fmla="*/ 5707621 w 12226455"/>
+              <a:gd name="connsiteY46" fmla="*/ 1971397 h 2094438"/>
+              <a:gd name="connsiteX47" fmla="*/ 5678447 w 12226455"/>
+              <a:gd name="connsiteY47" fmla="*/ 1972906 h 2094438"/>
+              <a:gd name="connsiteX48" fmla="*/ 5692650 w 12226455"/>
+              <a:gd name="connsiteY48" fmla="*/ 1973132 h 2094438"/>
+              <a:gd name="connsiteX49" fmla="*/ 5624294 w 12226455"/>
+              <a:gd name="connsiteY49" fmla="*/ 1981056 h 2094438"/>
+              <a:gd name="connsiteX50" fmla="*/ 5554110 w 12226455"/>
+              <a:gd name="connsiteY50" fmla="*/ 1965114 h 2094438"/>
+              <a:gd name="connsiteX51" fmla="*/ 5488422 w 12226455"/>
+              <a:gd name="connsiteY51" fmla="*/ 1963610 h 2094438"/>
+              <a:gd name="connsiteX52" fmla="*/ 5234009 w 12226455"/>
+              <a:gd name="connsiteY52" fmla="*/ 1945946 h 2094438"/>
+              <a:gd name="connsiteX53" fmla="*/ 5054956 w 12226455"/>
+              <a:gd name="connsiteY53" fmla="*/ 1961326 h 2094438"/>
+              <a:gd name="connsiteX54" fmla="*/ 4968494 w 12226455"/>
+              <a:gd name="connsiteY54" fmla="*/ 1980959 h 2094438"/>
+              <a:gd name="connsiteX55" fmla="*/ 4887159 w 12226455"/>
+              <a:gd name="connsiteY55" fmla="*/ 1987230 h 2094438"/>
+              <a:gd name="connsiteX56" fmla="*/ 4823752 w 12226455"/>
+              <a:gd name="connsiteY56" fmla="*/ 2010623 h 2094438"/>
+              <a:gd name="connsiteX57" fmla="*/ 4763730 w 12226455"/>
+              <a:gd name="connsiteY57" fmla="*/ 2037027 h 2094438"/>
+              <a:gd name="connsiteX58" fmla="*/ 4758100 w 12226455"/>
+              <a:gd name="connsiteY58" fmla="*/ 2037626 h 2094438"/>
+              <a:gd name="connsiteX59" fmla="*/ 4753293 w 12226455"/>
+              <a:gd name="connsiteY59" fmla="*/ 2034727 h 2094438"/>
+              <a:gd name="connsiteX60" fmla="*/ 4738854 w 12226455"/>
+              <a:gd name="connsiteY60" fmla="*/ 2040382 h 2094438"/>
+              <a:gd name="connsiteX61" fmla="*/ 4679090 w 12226455"/>
+              <a:gd name="connsiteY61" fmla="*/ 2049175 h 2094438"/>
+              <a:gd name="connsiteX62" fmla="*/ 4670823 w 12226455"/>
+              <a:gd name="connsiteY62" fmla="*/ 2060199 h 2094438"/>
+              <a:gd name="connsiteX63" fmla="*/ 4652693 w 12226455"/>
+              <a:gd name="connsiteY63" fmla="*/ 2068081 h 2094438"/>
+              <a:gd name="connsiteX64" fmla="*/ 4596668 w 12226455"/>
+              <a:gd name="connsiteY64" fmla="*/ 2066844 h 2094438"/>
+              <a:gd name="connsiteX65" fmla="*/ 4515079 w 12226455"/>
+              <a:gd name="connsiteY65" fmla="*/ 2093488 h 2094438"/>
+              <a:gd name="connsiteX66" fmla="*/ 4359987 w 12226455"/>
+              <a:gd name="connsiteY66" fmla="*/ 2087091 h 2094438"/>
+              <a:gd name="connsiteX67" fmla="*/ 4299514 w 12226455"/>
+              <a:gd name="connsiteY67" fmla="*/ 2072092 h 2094438"/>
+              <a:gd name="connsiteX68" fmla="*/ 4215049 w 12226455"/>
+              <a:gd name="connsiteY68" fmla="*/ 2078442 h 2094438"/>
+              <a:gd name="connsiteX69" fmla="*/ 4182398 w 12226455"/>
+              <a:gd name="connsiteY69" fmla="*/ 2068549 h 2094438"/>
+              <a:gd name="connsiteX70" fmla="*/ 4148880 w 12226455"/>
+              <a:gd name="connsiteY70" fmla="*/ 2087980 h 2094438"/>
+              <a:gd name="connsiteX71" fmla="*/ 4132217 w 12226455"/>
+              <a:gd name="connsiteY71" fmla="*/ 2074087 h 2094438"/>
+              <a:gd name="connsiteX72" fmla="*/ 4073825 w 12226455"/>
+              <a:gd name="connsiteY72" fmla="*/ 2078770 h 2094438"/>
+              <a:gd name="connsiteX73" fmla="*/ 3997663 w 12226455"/>
+              <a:gd name="connsiteY73" fmla="*/ 2084777 h 2094438"/>
+              <a:gd name="connsiteX74" fmla="*/ 4004645 w 12226455"/>
+              <a:gd name="connsiteY74" fmla="*/ 2091682 h 2094438"/>
+              <a:gd name="connsiteX75" fmla="*/ 3969056 w 12226455"/>
+              <a:gd name="connsiteY75" fmla="*/ 2094067 h 2094438"/>
+              <a:gd name="connsiteX76" fmla="*/ 3959847 w 12226455"/>
+              <a:gd name="connsiteY76" fmla="*/ 2091531 h 2094438"/>
+              <a:gd name="connsiteX77" fmla="*/ 3925749 w 12226455"/>
+              <a:gd name="connsiteY77" fmla="*/ 2090653 h 2094438"/>
+              <a:gd name="connsiteX78" fmla="*/ 3860022 w 12226455"/>
+              <a:gd name="connsiteY78" fmla="*/ 2080934 h 2094438"/>
+              <a:gd name="connsiteX79" fmla="*/ 3741602 w 12226455"/>
+              <a:gd name="connsiteY79" fmla="*/ 2071656 h 2094438"/>
+              <a:gd name="connsiteX80" fmla="*/ 3608325 w 12226455"/>
+              <a:gd name="connsiteY80" fmla="*/ 2079355 h 2094438"/>
+              <a:gd name="connsiteX81" fmla="*/ 3491740 w 12226455"/>
+              <a:gd name="connsiteY81" fmla="*/ 2092551 h 2094438"/>
+              <a:gd name="connsiteX82" fmla="*/ 3381317 w 12226455"/>
+              <a:gd name="connsiteY82" fmla="*/ 2072555 h 2094438"/>
+              <a:gd name="connsiteX83" fmla="*/ 3248436 w 12226455"/>
+              <a:gd name="connsiteY83" fmla="*/ 2062278 h 2094438"/>
+              <a:gd name="connsiteX84" fmla="*/ 3028186 w 12226455"/>
+              <a:gd name="connsiteY84" fmla="*/ 2060434 h 2094438"/>
+              <a:gd name="connsiteX85" fmla="*/ 2637295 w 12226455"/>
+              <a:gd name="connsiteY85" fmla="*/ 2026539 h 2094438"/>
+              <a:gd name="connsiteX86" fmla="*/ 2222596 w 12226455"/>
+              <a:gd name="connsiteY86" fmla="*/ 1936508 h 2094438"/>
+              <a:gd name="connsiteX87" fmla="*/ 2139456 w 12226455"/>
+              <a:gd name="connsiteY87" fmla="*/ 1911826 h 2094438"/>
+              <a:gd name="connsiteX88" fmla="*/ 1981598 w 12226455"/>
+              <a:gd name="connsiteY88" fmla="*/ 1886446 h 2094438"/>
+              <a:gd name="connsiteX89" fmla="*/ 1980797 w 12226455"/>
+              <a:gd name="connsiteY89" fmla="*/ 1886431 h 2094438"/>
+              <a:gd name="connsiteX90" fmla="*/ 1980797 w 12226455"/>
+              <a:gd name="connsiteY90" fmla="*/ 1871257 h 2094438"/>
+              <a:gd name="connsiteX91" fmla="*/ 1849717 w 12226455"/>
+              <a:gd name="connsiteY91" fmla="*/ 1881890 h 2094438"/>
+              <a:gd name="connsiteX92" fmla="*/ 1687091 w 12226455"/>
+              <a:gd name="connsiteY92" fmla="*/ 1842347 h 2094438"/>
+              <a:gd name="connsiteX93" fmla="*/ 1596958 w 12226455"/>
+              <a:gd name="connsiteY93" fmla="*/ 1804773 h 2094438"/>
+              <a:gd name="connsiteX94" fmla="*/ 1521970 w 12226455"/>
+              <a:gd name="connsiteY94" fmla="*/ 1790233 h 2094438"/>
+              <a:gd name="connsiteX95" fmla="*/ 1412763 w 12226455"/>
+              <a:gd name="connsiteY95" fmla="*/ 1794175 h 2094438"/>
+              <a:gd name="connsiteX96" fmla="*/ 1296465 w 12226455"/>
+              <a:gd name="connsiteY96" fmla="*/ 1797322 h 2094438"/>
+              <a:gd name="connsiteX97" fmla="*/ 1289314 w 12226455"/>
+              <a:gd name="connsiteY97" fmla="*/ 1796575 h 2094438"/>
+              <a:gd name="connsiteX98" fmla="*/ 1209396 w 12226455"/>
+              <a:gd name="connsiteY98" fmla="*/ 1799340 h 2094438"/>
+              <a:gd name="connsiteX99" fmla="*/ 1178816 w 12226455"/>
+              <a:gd name="connsiteY99" fmla="*/ 1797726 h 2094438"/>
+              <a:gd name="connsiteX100" fmla="*/ 1118448 w 12226455"/>
+              <a:gd name="connsiteY100" fmla="*/ 1799162 h 2094438"/>
+              <a:gd name="connsiteX101" fmla="*/ 1109457 w 12226455"/>
+              <a:gd name="connsiteY101" fmla="*/ 1799309 h 2094438"/>
+              <a:gd name="connsiteX102" fmla="*/ 1051695 w 12226455"/>
+              <a:gd name="connsiteY102" fmla="*/ 1795466 h 2094438"/>
+              <a:gd name="connsiteX103" fmla="*/ 1047719 w 12226455"/>
+              <a:gd name="connsiteY103" fmla="*/ 1796377 h 2094438"/>
+              <a:gd name="connsiteX104" fmla="*/ 1013633 w 12226455"/>
+              <a:gd name="connsiteY104" fmla="*/ 1794723 h 2094438"/>
+              <a:gd name="connsiteX105" fmla="*/ 1008016 w 12226455"/>
+              <a:gd name="connsiteY105" fmla="*/ 1792656 h 2094438"/>
+              <a:gd name="connsiteX106" fmla="*/ 999124 w 12226455"/>
+              <a:gd name="connsiteY106" fmla="*/ 1794019 h 2094438"/>
+              <a:gd name="connsiteX107" fmla="*/ 955075 w 12226455"/>
+              <a:gd name="connsiteY107" fmla="*/ 1791883 h 2094438"/>
+              <a:gd name="connsiteX108" fmla="*/ 882562 w 12226455"/>
+              <a:gd name="connsiteY108" fmla="*/ 1796804 h 2094438"/>
+              <a:gd name="connsiteX109" fmla="*/ 879961 w 12226455"/>
+              <a:gd name="connsiteY109" fmla="*/ 1796413 h 2094438"/>
+              <a:gd name="connsiteX110" fmla="*/ 879375 w 12226455"/>
+              <a:gd name="connsiteY110" fmla="*/ 1796200 h 2094438"/>
+              <a:gd name="connsiteX111" fmla="*/ 826826 w 12226455"/>
+              <a:gd name="connsiteY111" fmla="*/ 1773120 h 2094438"/>
+              <a:gd name="connsiteX112" fmla="*/ 788810 w 12226455"/>
+              <a:gd name="connsiteY112" fmla="*/ 1780877 h 2094438"/>
+              <a:gd name="connsiteX113" fmla="*/ 786858 w 12226455"/>
+              <a:gd name="connsiteY113" fmla="*/ 1782406 h 2094438"/>
+              <a:gd name="connsiteX114" fmla="*/ 719311 w 12226455"/>
+              <a:gd name="connsiteY114" fmla="*/ 1772245 h 2094438"/>
+              <a:gd name="connsiteX115" fmla="*/ 605941 w 12226455"/>
+              <a:gd name="connsiteY115" fmla="*/ 1750592 h 2094438"/>
+              <a:gd name="connsiteX116" fmla="*/ 571662 w 12226455"/>
+              <a:gd name="connsiteY116" fmla="*/ 1759938 h 2094438"/>
+              <a:gd name="connsiteX117" fmla="*/ 561295 w 12226455"/>
+              <a:gd name="connsiteY117" fmla="*/ 1764746 h 2094438"/>
+              <a:gd name="connsiteX118" fmla="*/ 552495 w 12226455"/>
+              <a:gd name="connsiteY118" fmla="*/ 1762244 h 2094438"/>
+              <a:gd name="connsiteX119" fmla="*/ 387891 w 12226455"/>
+              <a:gd name="connsiteY119" fmla="*/ 1712379 h 2094438"/>
+              <a:gd name="connsiteX120" fmla="*/ 264389 w 12226455"/>
+              <a:gd name="connsiteY120" fmla="*/ 1691576 h 2094438"/>
+              <a:gd name="connsiteX121" fmla="*/ 155395 w 12226455"/>
+              <a:gd name="connsiteY121" fmla="*/ 1682653 h 2094438"/>
+              <a:gd name="connsiteX122" fmla="*/ 114621 w 12226455"/>
+              <a:gd name="connsiteY122" fmla="*/ 1682091 h 2094438"/>
+              <a:gd name="connsiteX123" fmla="*/ 84645 w 12226455"/>
+              <a:gd name="connsiteY123" fmla="*/ 1684851 h 2094438"/>
+              <a:gd name="connsiteX124" fmla="*/ 10003 w 12226455"/>
+              <a:gd name="connsiteY124" fmla="*/ 1674828 h 2094438"/>
+              <a:gd name="connsiteX125" fmla="*/ 0 w 12226455"/>
+              <a:gd name="connsiteY125" fmla="*/ 1673934 h 2094438"/>
+              <a:gd name="connsiteX126" fmla="*/ 0 w 12226455"/>
+              <a:gd name="connsiteY126" fmla="*/ 457198 h 2094438"/>
+              <a:gd name="connsiteX127" fmla="*/ 14660 w 12226455"/>
+              <a:gd name="connsiteY127" fmla="*/ 0 h 2094438"/>
+              <a:gd name="connsiteX0" fmla="*/ 14660 w 12226455"/>
+              <a:gd name="connsiteY0" fmla="*/ 0 h 2094438"/>
+              <a:gd name="connsiteX1" fmla="*/ 12226455 w 12226455"/>
+              <a:gd name="connsiteY1" fmla="*/ 0 h 2094438"/>
+              <a:gd name="connsiteX2" fmla="*/ 12226455 w 12226455"/>
+              <a:gd name="connsiteY2" fmla="*/ 457198 h 2094438"/>
+              <a:gd name="connsiteX3" fmla="*/ 12226455 w 12226455"/>
+              <a:gd name="connsiteY3" fmla="*/ 1016758 h 2094438"/>
+              <a:gd name="connsiteX4" fmla="*/ 12226455 w 12226455"/>
+              <a:gd name="connsiteY4" fmla="*/ 1392257 h 2094438"/>
+              <a:gd name="connsiteX5" fmla="*/ 12210010 w 12226455"/>
+              <a:gd name="connsiteY5" fmla="*/ 1392079 h 2094438"/>
+              <a:gd name="connsiteX6" fmla="*/ 12097957 w 12226455"/>
+              <a:gd name="connsiteY6" fmla="*/ 1378121 h 2094438"/>
+              <a:gd name="connsiteX7" fmla="*/ 11705048 w 12226455"/>
+              <a:gd name="connsiteY7" fmla="*/ 1504448 h 2094438"/>
+              <a:gd name="connsiteX8" fmla="*/ 11578252 w 12226455"/>
+              <a:gd name="connsiteY8" fmla="*/ 1622780 h 2094438"/>
+              <a:gd name="connsiteX9" fmla="*/ 11441414 w 12226455"/>
+              <a:gd name="connsiteY9" fmla="*/ 1671606 h 2094438"/>
+              <a:gd name="connsiteX10" fmla="*/ 11384400 w 12226455"/>
+              <a:gd name="connsiteY10" fmla="*/ 1726735 h 2094438"/>
+              <a:gd name="connsiteX11" fmla="*/ 11243987 w 12226455"/>
+              <a:gd name="connsiteY11" fmla="*/ 1775920 h 2094438"/>
+              <a:gd name="connsiteX12" fmla="*/ 11146741 w 12226455"/>
+              <a:gd name="connsiteY12" fmla="*/ 1786963 h 2094438"/>
+              <a:gd name="connsiteX13" fmla="*/ 10932107 w 12226455"/>
+              <a:gd name="connsiteY13" fmla="*/ 1783616 h 2094438"/>
+              <a:gd name="connsiteX14" fmla="*/ 10374059 w 12226455"/>
+              <a:gd name="connsiteY14" fmla="*/ 1797882 h 2094438"/>
+              <a:gd name="connsiteX15" fmla="*/ 10227592 w 12226455"/>
+              <a:gd name="connsiteY15" fmla="*/ 1817257 h 2094438"/>
+              <a:gd name="connsiteX16" fmla="*/ 10015680 w 12226455"/>
+              <a:gd name="connsiteY16" fmla="*/ 1830474 h 2094438"/>
+              <a:gd name="connsiteX17" fmla="*/ 9411126 w 12226455"/>
+              <a:gd name="connsiteY17" fmla="*/ 1869136 h 2094438"/>
+              <a:gd name="connsiteX18" fmla="*/ 9341661 w 12226455"/>
+              <a:gd name="connsiteY18" fmla="*/ 1903018 h 2094438"/>
+              <a:gd name="connsiteX19" fmla="*/ 9091392 w 12226455"/>
+              <a:gd name="connsiteY19" fmla="*/ 1925623 h 2094438"/>
+              <a:gd name="connsiteX20" fmla="*/ 9046316 w 12226455"/>
+              <a:gd name="connsiteY20" fmla="*/ 1931643 h 2094438"/>
+              <a:gd name="connsiteX21" fmla="*/ 8924496 w 12226455"/>
+              <a:gd name="connsiteY21" fmla="*/ 1934111 h 2094438"/>
+              <a:gd name="connsiteX22" fmla="*/ 8730039 w 12226455"/>
+              <a:gd name="connsiteY22" fmla="*/ 1958718 h 2094438"/>
+              <a:gd name="connsiteX23" fmla="*/ 8637317 w 12226455"/>
+              <a:gd name="connsiteY23" fmla="*/ 1976178 h 2094438"/>
+              <a:gd name="connsiteX24" fmla="*/ 8497138 w 12226455"/>
+              <a:gd name="connsiteY24" fmla="*/ 2026648 h 2094438"/>
+              <a:gd name="connsiteX25" fmla="*/ 8281534 w 12226455"/>
+              <a:gd name="connsiteY25" fmla="*/ 2036428 h 2094438"/>
+              <a:gd name="connsiteX26" fmla="*/ 8275009 w 12226455"/>
+              <a:gd name="connsiteY26" fmla="*/ 2036933 h 2094438"/>
+              <a:gd name="connsiteX27" fmla="*/ 8215546 w 12226455"/>
+              <a:gd name="connsiteY27" fmla="*/ 2024013 h 2094438"/>
+              <a:gd name="connsiteX28" fmla="*/ 8191205 w 12226455"/>
+              <a:gd name="connsiteY28" fmla="*/ 2026109 h 2094438"/>
+              <a:gd name="connsiteX29" fmla="*/ 8022833 w 12226455"/>
+              <a:gd name="connsiteY29" fmla="*/ 2020804 h 2094438"/>
+              <a:gd name="connsiteX30" fmla="*/ 7842457 w 12226455"/>
+              <a:gd name="connsiteY30" fmla="*/ 2032833 h 2094438"/>
+              <a:gd name="connsiteX31" fmla="*/ 7623424 w 12226455"/>
+              <a:gd name="connsiteY31" fmla="*/ 2023819 h 2094438"/>
+              <a:gd name="connsiteX32" fmla="*/ 7513247 w 12226455"/>
+              <a:gd name="connsiteY32" fmla="*/ 2034454 h 2094438"/>
+              <a:gd name="connsiteX33" fmla="*/ 7252408 w 12226455"/>
+              <a:gd name="connsiteY33" fmla="*/ 2048724 h 2094438"/>
+              <a:gd name="connsiteX34" fmla="*/ 7058491 w 12226455"/>
+              <a:gd name="connsiteY34" fmla="*/ 2026452 h 2094438"/>
+              <a:gd name="connsiteX35" fmla="*/ 7014654 w 12226455"/>
+              <a:gd name="connsiteY35" fmla="*/ 2008338 h 2094438"/>
+              <a:gd name="connsiteX36" fmla="*/ 6869558 w 12226455"/>
+              <a:gd name="connsiteY36" fmla="*/ 2009516 h 2094438"/>
+              <a:gd name="connsiteX37" fmla="*/ 6801700 w 12226455"/>
+              <a:gd name="connsiteY37" fmla="*/ 1992683 h 2094438"/>
+              <a:gd name="connsiteX38" fmla="*/ 6630448 w 12226455"/>
+              <a:gd name="connsiteY38" fmla="*/ 1990539 h 2094438"/>
+              <a:gd name="connsiteX39" fmla="*/ 6343083 w 12226455"/>
+              <a:gd name="connsiteY39" fmla="*/ 1975132 h 2094438"/>
+              <a:gd name="connsiteX40" fmla="*/ 6118325 w 12226455"/>
+              <a:gd name="connsiteY40" fmla="*/ 1977815 h 2094438"/>
+              <a:gd name="connsiteX41" fmla="*/ 5951117 w 12226455"/>
+              <a:gd name="connsiteY41" fmla="*/ 1980301 h 2094438"/>
+              <a:gd name="connsiteX42" fmla="*/ 5899039 w 12226455"/>
+              <a:gd name="connsiteY42" fmla="*/ 1970051 h 2094438"/>
+              <a:gd name="connsiteX43" fmla="*/ 5826960 w 12226455"/>
+              <a:gd name="connsiteY43" fmla="*/ 1971340 h 2094438"/>
+              <a:gd name="connsiteX44" fmla="*/ 5750590 w 12226455"/>
+              <a:gd name="connsiteY44" fmla="*/ 1974055 h 2094438"/>
+              <a:gd name="connsiteX45" fmla="*/ 5692650 w 12226455"/>
+              <a:gd name="connsiteY45" fmla="*/ 1973132 h 2094438"/>
+              <a:gd name="connsiteX46" fmla="*/ 5707621 w 12226455"/>
+              <a:gd name="connsiteY46" fmla="*/ 1971397 h 2094438"/>
+              <a:gd name="connsiteX47" fmla="*/ 5678447 w 12226455"/>
+              <a:gd name="connsiteY47" fmla="*/ 1972906 h 2094438"/>
+              <a:gd name="connsiteX48" fmla="*/ 5692650 w 12226455"/>
+              <a:gd name="connsiteY48" fmla="*/ 1973132 h 2094438"/>
+              <a:gd name="connsiteX49" fmla="*/ 5624294 w 12226455"/>
+              <a:gd name="connsiteY49" fmla="*/ 1981056 h 2094438"/>
+              <a:gd name="connsiteX50" fmla="*/ 5554110 w 12226455"/>
+              <a:gd name="connsiteY50" fmla="*/ 1965114 h 2094438"/>
+              <a:gd name="connsiteX51" fmla="*/ 5488422 w 12226455"/>
+              <a:gd name="connsiteY51" fmla="*/ 1963610 h 2094438"/>
+              <a:gd name="connsiteX52" fmla="*/ 5234009 w 12226455"/>
+              <a:gd name="connsiteY52" fmla="*/ 1945946 h 2094438"/>
+              <a:gd name="connsiteX53" fmla="*/ 5054956 w 12226455"/>
+              <a:gd name="connsiteY53" fmla="*/ 1961326 h 2094438"/>
+              <a:gd name="connsiteX54" fmla="*/ 4968494 w 12226455"/>
+              <a:gd name="connsiteY54" fmla="*/ 1980959 h 2094438"/>
+              <a:gd name="connsiteX55" fmla="*/ 4887159 w 12226455"/>
+              <a:gd name="connsiteY55" fmla="*/ 1987230 h 2094438"/>
+              <a:gd name="connsiteX56" fmla="*/ 4823752 w 12226455"/>
+              <a:gd name="connsiteY56" fmla="*/ 2010623 h 2094438"/>
+              <a:gd name="connsiteX57" fmla="*/ 4763730 w 12226455"/>
+              <a:gd name="connsiteY57" fmla="*/ 2037027 h 2094438"/>
+              <a:gd name="connsiteX58" fmla="*/ 4758100 w 12226455"/>
+              <a:gd name="connsiteY58" fmla="*/ 2037626 h 2094438"/>
+              <a:gd name="connsiteX59" fmla="*/ 4753293 w 12226455"/>
+              <a:gd name="connsiteY59" fmla="*/ 2034727 h 2094438"/>
+              <a:gd name="connsiteX60" fmla="*/ 4738854 w 12226455"/>
+              <a:gd name="connsiteY60" fmla="*/ 2040382 h 2094438"/>
+              <a:gd name="connsiteX61" fmla="*/ 4679090 w 12226455"/>
+              <a:gd name="connsiteY61" fmla="*/ 2049175 h 2094438"/>
+              <a:gd name="connsiteX62" fmla="*/ 4670823 w 12226455"/>
+              <a:gd name="connsiteY62" fmla="*/ 2060199 h 2094438"/>
+              <a:gd name="connsiteX63" fmla="*/ 4652693 w 12226455"/>
+              <a:gd name="connsiteY63" fmla="*/ 2068081 h 2094438"/>
+              <a:gd name="connsiteX64" fmla="*/ 4596668 w 12226455"/>
+              <a:gd name="connsiteY64" fmla="*/ 2066844 h 2094438"/>
+              <a:gd name="connsiteX65" fmla="*/ 4515079 w 12226455"/>
+              <a:gd name="connsiteY65" fmla="*/ 2093488 h 2094438"/>
+              <a:gd name="connsiteX66" fmla="*/ 4359987 w 12226455"/>
+              <a:gd name="connsiteY66" fmla="*/ 2087091 h 2094438"/>
+              <a:gd name="connsiteX67" fmla="*/ 4299514 w 12226455"/>
+              <a:gd name="connsiteY67" fmla="*/ 2072092 h 2094438"/>
+              <a:gd name="connsiteX68" fmla="*/ 4215049 w 12226455"/>
+              <a:gd name="connsiteY68" fmla="*/ 2078442 h 2094438"/>
+              <a:gd name="connsiteX69" fmla="*/ 4182398 w 12226455"/>
+              <a:gd name="connsiteY69" fmla="*/ 2068549 h 2094438"/>
+              <a:gd name="connsiteX70" fmla="*/ 4148880 w 12226455"/>
+              <a:gd name="connsiteY70" fmla="*/ 2087980 h 2094438"/>
+              <a:gd name="connsiteX71" fmla="*/ 4132217 w 12226455"/>
+              <a:gd name="connsiteY71" fmla="*/ 2074087 h 2094438"/>
+              <a:gd name="connsiteX72" fmla="*/ 4073825 w 12226455"/>
+              <a:gd name="connsiteY72" fmla="*/ 2078770 h 2094438"/>
+              <a:gd name="connsiteX73" fmla="*/ 3997663 w 12226455"/>
+              <a:gd name="connsiteY73" fmla="*/ 2084777 h 2094438"/>
+              <a:gd name="connsiteX74" fmla="*/ 4004645 w 12226455"/>
+              <a:gd name="connsiteY74" fmla="*/ 2091682 h 2094438"/>
+              <a:gd name="connsiteX75" fmla="*/ 3969056 w 12226455"/>
+              <a:gd name="connsiteY75" fmla="*/ 2094067 h 2094438"/>
+              <a:gd name="connsiteX76" fmla="*/ 3959847 w 12226455"/>
+              <a:gd name="connsiteY76" fmla="*/ 2091531 h 2094438"/>
+              <a:gd name="connsiteX77" fmla="*/ 3925749 w 12226455"/>
+              <a:gd name="connsiteY77" fmla="*/ 2090653 h 2094438"/>
+              <a:gd name="connsiteX78" fmla="*/ 3860022 w 12226455"/>
+              <a:gd name="connsiteY78" fmla="*/ 2080934 h 2094438"/>
+              <a:gd name="connsiteX79" fmla="*/ 3741602 w 12226455"/>
+              <a:gd name="connsiteY79" fmla="*/ 2071656 h 2094438"/>
+              <a:gd name="connsiteX80" fmla="*/ 3608325 w 12226455"/>
+              <a:gd name="connsiteY80" fmla="*/ 2079355 h 2094438"/>
+              <a:gd name="connsiteX81" fmla="*/ 3491740 w 12226455"/>
+              <a:gd name="connsiteY81" fmla="*/ 2092551 h 2094438"/>
+              <a:gd name="connsiteX82" fmla="*/ 3381317 w 12226455"/>
+              <a:gd name="connsiteY82" fmla="*/ 2072555 h 2094438"/>
+              <a:gd name="connsiteX83" fmla="*/ 3248436 w 12226455"/>
+              <a:gd name="connsiteY83" fmla="*/ 2062278 h 2094438"/>
+              <a:gd name="connsiteX84" fmla="*/ 3028186 w 12226455"/>
+              <a:gd name="connsiteY84" fmla="*/ 2060434 h 2094438"/>
+              <a:gd name="connsiteX85" fmla="*/ 2637295 w 12226455"/>
+              <a:gd name="connsiteY85" fmla="*/ 2026539 h 2094438"/>
+              <a:gd name="connsiteX86" fmla="*/ 2222596 w 12226455"/>
+              <a:gd name="connsiteY86" fmla="*/ 1936508 h 2094438"/>
+              <a:gd name="connsiteX87" fmla="*/ 2139456 w 12226455"/>
+              <a:gd name="connsiteY87" fmla="*/ 1911826 h 2094438"/>
+              <a:gd name="connsiteX88" fmla="*/ 1981598 w 12226455"/>
+              <a:gd name="connsiteY88" fmla="*/ 1886446 h 2094438"/>
+              <a:gd name="connsiteX89" fmla="*/ 1980797 w 12226455"/>
+              <a:gd name="connsiteY89" fmla="*/ 1886431 h 2094438"/>
+              <a:gd name="connsiteX90" fmla="*/ 1980797 w 12226455"/>
+              <a:gd name="connsiteY90" fmla="*/ 1871257 h 2094438"/>
+              <a:gd name="connsiteX91" fmla="*/ 1849717 w 12226455"/>
+              <a:gd name="connsiteY91" fmla="*/ 1881890 h 2094438"/>
+              <a:gd name="connsiteX92" fmla="*/ 1687091 w 12226455"/>
+              <a:gd name="connsiteY92" fmla="*/ 1842347 h 2094438"/>
+              <a:gd name="connsiteX93" fmla="*/ 1596958 w 12226455"/>
+              <a:gd name="connsiteY93" fmla="*/ 1804773 h 2094438"/>
+              <a:gd name="connsiteX94" fmla="*/ 1521970 w 12226455"/>
+              <a:gd name="connsiteY94" fmla="*/ 1790233 h 2094438"/>
+              <a:gd name="connsiteX95" fmla="*/ 1412763 w 12226455"/>
+              <a:gd name="connsiteY95" fmla="*/ 1794175 h 2094438"/>
+              <a:gd name="connsiteX96" fmla="*/ 1296465 w 12226455"/>
+              <a:gd name="connsiteY96" fmla="*/ 1797322 h 2094438"/>
+              <a:gd name="connsiteX97" fmla="*/ 1289314 w 12226455"/>
+              <a:gd name="connsiteY97" fmla="*/ 1796575 h 2094438"/>
+              <a:gd name="connsiteX98" fmla="*/ 1209396 w 12226455"/>
+              <a:gd name="connsiteY98" fmla="*/ 1799340 h 2094438"/>
+              <a:gd name="connsiteX99" fmla="*/ 1178816 w 12226455"/>
+              <a:gd name="connsiteY99" fmla="*/ 1797726 h 2094438"/>
+              <a:gd name="connsiteX100" fmla="*/ 1118448 w 12226455"/>
+              <a:gd name="connsiteY100" fmla="*/ 1799162 h 2094438"/>
+              <a:gd name="connsiteX101" fmla="*/ 1109457 w 12226455"/>
+              <a:gd name="connsiteY101" fmla="*/ 1799309 h 2094438"/>
+              <a:gd name="connsiteX102" fmla="*/ 1051695 w 12226455"/>
+              <a:gd name="connsiteY102" fmla="*/ 1795466 h 2094438"/>
+              <a:gd name="connsiteX103" fmla="*/ 1047719 w 12226455"/>
+              <a:gd name="connsiteY103" fmla="*/ 1796377 h 2094438"/>
+              <a:gd name="connsiteX104" fmla="*/ 1013633 w 12226455"/>
+              <a:gd name="connsiteY104" fmla="*/ 1794723 h 2094438"/>
+              <a:gd name="connsiteX105" fmla="*/ 1008016 w 12226455"/>
+              <a:gd name="connsiteY105" fmla="*/ 1792656 h 2094438"/>
+              <a:gd name="connsiteX106" fmla="*/ 999124 w 12226455"/>
+              <a:gd name="connsiteY106" fmla="*/ 1794019 h 2094438"/>
+              <a:gd name="connsiteX107" fmla="*/ 955075 w 12226455"/>
+              <a:gd name="connsiteY107" fmla="*/ 1791883 h 2094438"/>
+              <a:gd name="connsiteX108" fmla="*/ 882562 w 12226455"/>
+              <a:gd name="connsiteY108" fmla="*/ 1796804 h 2094438"/>
+              <a:gd name="connsiteX109" fmla="*/ 879961 w 12226455"/>
+              <a:gd name="connsiteY109" fmla="*/ 1796413 h 2094438"/>
+              <a:gd name="connsiteX110" fmla="*/ 879375 w 12226455"/>
+              <a:gd name="connsiteY110" fmla="*/ 1796200 h 2094438"/>
+              <a:gd name="connsiteX111" fmla="*/ 826826 w 12226455"/>
+              <a:gd name="connsiteY111" fmla="*/ 1773120 h 2094438"/>
+              <a:gd name="connsiteX112" fmla="*/ 788810 w 12226455"/>
+              <a:gd name="connsiteY112" fmla="*/ 1780877 h 2094438"/>
+              <a:gd name="connsiteX113" fmla="*/ 786858 w 12226455"/>
+              <a:gd name="connsiteY113" fmla="*/ 1782406 h 2094438"/>
+              <a:gd name="connsiteX114" fmla="*/ 719311 w 12226455"/>
+              <a:gd name="connsiteY114" fmla="*/ 1772245 h 2094438"/>
+              <a:gd name="connsiteX115" fmla="*/ 605941 w 12226455"/>
+              <a:gd name="connsiteY115" fmla="*/ 1750592 h 2094438"/>
+              <a:gd name="connsiteX116" fmla="*/ 571662 w 12226455"/>
+              <a:gd name="connsiteY116" fmla="*/ 1759938 h 2094438"/>
+              <a:gd name="connsiteX117" fmla="*/ 561295 w 12226455"/>
+              <a:gd name="connsiteY117" fmla="*/ 1764746 h 2094438"/>
+              <a:gd name="connsiteX118" fmla="*/ 552495 w 12226455"/>
+              <a:gd name="connsiteY118" fmla="*/ 1762244 h 2094438"/>
+              <a:gd name="connsiteX119" fmla="*/ 387891 w 12226455"/>
+              <a:gd name="connsiteY119" fmla="*/ 1712379 h 2094438"/>
+              <a:gd name="connsiteX120" fmla="*/ 264389 w 12226455"/>
+              <a:gd name="connsiteY120" fmla="*/ 1691576 h 2094438"/>
+              <a:gd name="connsiteX121" fmla="*/ 155395 w 12226455"/>
+              <a:gd name="connsiteY121" fmla="*/ 1682653 h 2094438"/>
+              <a:gd name="connsiteX122" fmla="*/ 114621 w 12226455"/>
+              <a:gd name="connsiteY122" fmla="*/ 1682091 h 2094438"/>
+              <a:gd name="connsiteX123" fmla="*/ 84645 w 12226455"/>
+              <a:gd name="connsiteY123" fmla="*/ 1684851 h 2094438"/>
+              <a:gd name="connsiteX124" fmla="*/ 10003 w 12226455"/>
+              <a:gd name="connsiteY124" fmla="*/ 1674828 h 2094438"/>
+              <a:gd name="connsiteX125" fmla="*/ 0 w 12226455"/>
+              <a:gd name="connsiteY125" fmla="*/ 1673934 h 2094438"/>
+              <a:gd name="connsiteX126" fmla="*/ 14660 w 12226455"/>
+              <a:gd name="connsiteY126" fmla="*/ 0 h 2094438"/>
+              <a:gd name="connsiteX0" fmla="*/ 1013 w 12226455"/>
+              <a:gd name="connsiteY0" fmla="*/ 0 h 2094438"/>
+              <a:gd name="connsiteX1" fmla="*/ 12226455 w 12226455"/>
+              <a:gd name="connsiteY1" fmla="*/ 0 h 2094438"/>
+              <a:gd name="connsiteX2" fmla="*/ 12226455 w 12226455"/>
+              <a:gd name="connsiteY2" fmla="*/ 457198 h 2094438"/>
+              <a:gd name="connsiteX3" fmla="*/ 12226455 w 12226455"/>
+              <a:gd name="connsiteY3" fmla="*/ 1016758 h 2094438"/>
+              <a:gd name="connsiteX4" fmla="*/ 12226455 w 12226455"/>
+              <a:gd name="connsiteY4" fmla="*/ 1392257 h 2094438"/>
+              <a:gd name="connsiteX5" fmla="*/ 12210010 w 12226455"/>
+              <a:gd name="connsiteY5" fmla="*/ 1392079 h 2094438"/>
+              <a:gd name="connsiteX6" fmla="*/ 12097957 w 12226455"/>
+              <a:gd name="connsiteY6" fmla="*/ 1378121 h 2094438"/>
+              <a:gd name="connsiteX7" fmla="*/ 11705048 w 12226455"/>
+              <a:gd name="connsiteY7" fmla="*/ 1504448 h 2094438"/>
+              <a:gd name="connsiteX8" fmla="*/ 11578252 w 12226455"/>
+              <a:gd name="connsiteY8" fmla="*/ 1622780 h 2094438"/>
+              <a:gd name="connsiteX9" fmla="*/ 11441414 w 12226455"/>
+              <a:gd name="connsiteY9" fmla="*/ 1671606 h 2094438"/>
+              <a:gd name="connsiteX10" fmla="*/ 11384400 w 12226455"/>
+              <a:gd name="connsiteY10" fmla="*/ 1726735 h 2094438"/>
+              <a:gd name="connsiteX11" fmla="*/ 11243987 w 12226455"/>
+              <a:gd name="connsiteY11" fmla="*/ 1775920 h 2094438"/>
+              <a:gd name="connsiteX12" fmla="*/ 11146741 w 12226455"/>
+              <a:gd name="connsiteY12" fmla="*/ 1786963 h 2094438"/>
+              <a:gd name="connsiteX13" fmla="*/ 10932107 w 12226455"/>
+              <a:gd name="connsiteY13" fmla="*/ 1783616 h 2094438"/>
+              <a:gd name="connsiteX14" fmla="*/ 10374059 w 12226455"/>
+              <a:gd name="connsiteY14" fmla="*/ 1797882 h 2094438"/>
+              <a:gd name="connsiteX15" fmla="*/ 10227592 w 12226455"/>
+              <a:gd name="connsiteY15" fmla="*/ 1817257 h 2094438"/>
+              <a:gd name="connsiteX16" fmla="*/ 10015680 w 12226455"/>
+              <a:gd name="connsiteY16" fmla="*/ 1830474 h 2094438"/>
+              <a:gd name="connsiteX17" fmla="*/ 9411126 w 12226455"/>
+              <a:gd name="connsiteY17" fmla="*/ 1869136 h 2094438"/>
+              <a:gd name="connsiteX18" fmla="*/ 9341661 w 12226455"/>
+              <a:gd name="connsiteY18" fmla="*/ 1903018 h 2094438"/>
+              <a:gd name="connsiteX19" fmla="*/ 9091392 w 12226455"/>
+              <a:gd name="connsiteY19" fmla="*/ 1925623 h 2094438"/>
+              <a:gd name="connsiteX20" fmla="*/ 9046316 w 12226455"/>
+              <a:gd name="connsiteY20" fmla="*/ 1931643 h 2094438"/>
+              <a:gd name="connsiteX21" fmla="*/ 8924496 w 12226455"/>
+              <a:gd name="connsiteY21" fmla="*/ 1934111 h 2094438"/>
+              <a:gd name="connsiteX22" fmla="*/ 8730039 w 12226455"/>
+              <a:gd name="connsiteY22" fmla="*/ 1958718 h 2094438"/>
+              <a:gd name="connsiteX23" fmla="*/ 8637317 w 12226455"/>
+              <a:gd name="connsiteY23" fmla="*/ 1976178 h 2094438"/>
+              <a:gd name="connsiteX24" fmla="*/ 8497138 w 12226455"/>
+              <a:gd name="connsiteY24" fmla="*/ 2026648 h 2094438"/>
+              <a:gd name="connsiteX25" fmla="*/ 8281534 w 12226455"/>
+              <a:gd name="connsiteY25" fmla="*/ 2036428 h 2094438"/>
+              <a:gd name="connsiteX26" fmla="*/ 8275009 w 12226455"/>
+              <a:gd name="connsiteY26" fmla="*/ 2036933 h 2094438"/>
+              <a:gd name="connsiteX27" fmla="*/ 8215546 w 12226455"/>
+              <a:gd name="connsiteY27" fmla="*/ 2024013 h 2094438"/>
+              <a:gd name="connsiteX28" fmla="*/ 8191205 w 12226455"/>
+              <a:gd name="connsiteY28" fmla="*/ 2026109 h 2094438"/>
+              <a:gd name="connsiteX29" fmla="*/ 8022833 w 12226455"/>
+              <a:gd name="connsiteY29" fmla="*/ 2020804 h 2094438"/>
+              <a:gd name="connsiteX30" fmla="*/ 7842457 w 12226455"/>
+              <a:gd name="connsiteY30" fmla="*/ 2032833 h 2094438"/>
+              <a:gd name="connsiteX31" fmla="*/ 7623424 w 12226455"/>
+              <a:gd name="connsiteY31" fmla="*/ 2023819 h 2094438"/>
+              <a:gd name="connsiteX32" fmla="*/ 7513247 w 12226455"/>
+              <a:gd name="connsiteY32" fmla="*/ 2034454 h 2094438"/>
+              <a:gd name="connsiteX33" fmla="*/ 7252408 w 12226455"/>
+              <a:gd name="connsiteY33" fmla="*/ 2048724 h 2094438"/>
+              <a:gd name="connsiteX34" fmla="*/ 7058491 w 12226455"/>
+              <a:gd name="connsiteY34" fmla="*/ 2026452 h 2094438"/>
+              <a:gd name="connsiteX35" fmla="*/ 7014654 w 12226455"/>
+              <a:gd name="connsiteY35" fmla="*/ 2008338 h 2094438"/>
+              <a:gd name="connsiteX36" fmla="*/ 6869558 w 12226455"/>
+              <a:gd name="connsiteY36" fmla="*/ 2009516 h 2094438"/>
+              <a:gd name="connsiteX37" fmla="*/ 6801700 w 12226455"/>
+              <a:gd name="connsiteY37" fmla="*/ 1992683 h 2094438"/>
+              <a:gd name="connsiteX38" fmla="*/ 6630448 w 12226455"/>
+              <a:gd name="connsiteY38" fmla="*/ 1990539 h 2094438"/>
+              <a:gd name="connsiteX39" fmla="*/ 6343083 w 12226455"/>
+              <a:gd name="connsiteY39" fmla="*/ 1975132 h 2094438"/>
+              <a:gd name="connsiteX40" fmla="*/ 6118325 w 12226455"/>
+              <a:gd name="connsiteY40" fmla="*/ 1977815 h 2094438"/>
+              <a:gd name="connsiteX41" fmla="*/ 5951117 w 12226455"/>
+              <a:gd name="connsiteY41" fmla="*/ 1980301 h 2094438"/>
+              <a:gd name="connsiteX42" fmla="*/ 5899039 w 12226455"/>
+              <a:gd name="connsiteY42" fmla="*/ 1970051 h 2094438"/>
+              <a:gd name="connsiteX43" fmla="*/ 5826960 w 12226455"/>
+              <a:gd name="connsiteY43" fmla="*/ 1971340 h 2094438"/>
+              <a:gd name="connsiteX44" fmla="*/ 5750590 w 12226455"/>
+              <a:gd name="connsiteY44" fmla="*/ 1974055 h 2094438"/>
+              <a:gd name="connsiteX45" fmla="*/ 5692650 w 12226455"/>
+              <a:gd name="connsiteY45" fmla="*/ 1973132 h 2094438"/>
+              <a:gd name="connsiteX46" fmla="*/ 5707621 w 12226455"/>
+              <a:gd name="connsiteY46" fmla="*/ 1971397 h 2094438"/>
+              <a:gd name="connsiteX47" fmla="*/ 5678447 w 12226455"/>
+              <a:gd name="connsiteY47" fmla="*/ 1972906 h 2094438"/>
+              <a:gd name="connsiteX48" fmla="*/ 5692650 w 12226455"/>
+              <a:gd name="connsiteY48" fmla="*/ 1973132 h 2094438"/>
+              <a:gd name="connsiteX49" fmla="*/ 5624294 w 12226455"/>
+              <a:gd name="connsiteY49" fmla="*/ 1981056 h 2094438"/>
+              <a:gd name="connsiteX50" fmla="*/ 5554110 w 12226455"/>
+              <a:gd name="connsiteY50" fmla="*/ 1965114 h 2094438"/>
+              <a:gd name="connsiteX51" fmla="*/ 5488422 w 12226455"/>
+              <a:gd name="connsiteY51" fmla="*/ 1963610 h 2094438"/>
+              <a:gd name="connsiteX52" fmla="*/ 5234009 w 12226455"/>
+              <a:gd name="connsiteY52" fmla="*/ 1945946 h 2094438"/>
+              <a:gd name="connsiteX53" fmla="*/ 5054956 w 12226455"/>
+              <a:gd name="connsiteY53" fmla="*/ 1961326 h 2094438"/>
+              <a:gd name="connsiteX54" fmla="*/ 4968494 w 12226455"/>
+              <a:gd name="connsiteY54" fmla="*/ 1980959 h 2094438"/>
+              <a:gd name="connsiteX55" fmla="*/ 4887159 w 12226455"/>
+              <a:gd name="connsiteY55" fmla="*/ 1987230 h 2094438"/>
+              <a:gd name="connsiteX56" fmla="*/ 4823752 w 12226455"/>
+              <a:gd name="connsiteY56" fmla="*/ 2010623 h 2094438"/>
+              <a:gd name="connsiteX57" fmla="*/ 4763730 w 12226455"/>
+              <a:gd name="connsiteY57" fmla="*/ 2037027 h 2094438"/>
+              <a:gd name="connsiteX58" fmla="*/ 4758100 w 12226455"/>
+              <a:gd name="connsiteY58" fmla="*/ 2037626 h 2094438"/>
+              <a:gd name="connsiteX59" fmla="*/ 4753293 w 12226455"/>
+              <a:gd name="connsiteY59" fmla="*/ 2034727 h 2094438"/>
+              <a:gd name="connsiteX60" fmla="*/ 4738854 w 12226455"/>
+              <a:gd name="connsiteY60" fmla="*/ 2040382 h 2094438"/>
+              <a:gd name="connsiteX61" fmla="*/ 4679090 w 12226455"/>
+              <a:gd name="connsiteY61" fmla="*/ 2049175 h 2094438"/>
+              <a:gd name="connsiteX62" fmla="*/ 4670823 w 12226455"/>
+              <a:gd name="connsiteY62" fmla="*/ 2060199 h 2094438"/>
+              <a:gd name="connsiteX63" fmla="*/ 4652693 w 12226455"/>
+              <a:gd name="connsiteY63" fmla="*/ 2068081 h 2094438"/>
+              <a:gd name="connsiteX64" fmla="*/ 4596668 w 12226455"/>
+              <a:gd name="connsiteY64" fmla="*/ 2066844 h 2094438"/>
+              <a:gd name="connsiteX65" fmla="*/ 4515079 w 12226455"/>
+              <a:gd name="connsiteY65" fmla="*/ 2093488 h 2094438"/>
+              <a:gd name="connsiteX66" fmla="*/ 4359987 w 12226455"/>
+              <a:gd name="connsiteY66" fmla="*/ 2087091 h 2094438"/>
+              <a:gd name="connsiteX67" fmla="*/ 4299514 w 12226455"/>
+              <a:gd name="connsiteY67" fmla="*/ 2072092 h 2094438"/>
+              <a:gd name="connsiteX68" fmla="*/ 4215049 w 12226455"/>
+              <a:gd name="connsiteY68" fmla="*/ 2078442 h 2094438"/>
+              <a:gd name="connsiteX69" fmla="*/ 4182398 w 12226455"/>
+              <a:gd name="connsiteY69" fmla="*/ 2068549 h 2094438"/>
+              <a:gd name="connsiteX70" fmla="*/ 4148880 w 12226455"/>
+              <a:gd name="connsiteY70" fmla="*/ 2087980 h 2094438"/>
+              <a:gd name="connsiteX71" fmla="*/ 4132217 w 12226455"/>
+              <a:gd name="connsiteY71" fmla="*/ 2074087 h 2094438"/>
+              <a:gd name="connsiteX72" fmla="*/ 4073825 w 12226455"/>
+              <a:gd name="connsiteY72" fmla="*/ 2078770 h 2094438"/>
+              <a:gd name="connsiteX73" fmla="*/ 3997663 w 12226455"/>
+              <a:gd name="connsiteY73" fmla="*/ 2084777 h 2094438"/>
+              <a:gd name="connsiteX74" fmla="*/ 4004645 w 12226455"/>
+              <a:gd name="connsiteY74" fmla="*/ 2091682 h 2094438"/>
+              <a:gd name="connsiteX75" fmla="*/ 3969056 w 12226455"/>
+              <a:gd name="connsiteY75" fmla="*/ 2094067 h 2094438"/>
+              <a:gd name="connsiteX76" fmla="*/ 3959847 w 12226455"/>
+              <a:gd name="connsiteY76" fmla="*/ 2091531 h 2094438"/>
+              <a:gd name="connsiteX77" fmla="*/ 3925749 w 12226455"/>
+              <a:gd name="connsiteY77" fmla="*/ 2090653 h 2094438"/>
+              <a:gd name="connsiteX78" fmla="*/ 3860022 w 12226455"/>
+              <a:gd name="connsiteY78" fmla="*/ 2080934 h 2094438"/>
+              <a:gd name="connsiteX79" fmla="*/ 3741602 w 12226455"/>
+              <a:gd name="connsiteY79" fmla="*/ 2071656 h 2094438"/>
+              <a:gd name="connsiteX80" fmla="*/ 3608325 w 12226455"/>
+              <a:gd name="connsiteY80" fmla="*/ 2079355 h 2094438"/>
+              <a:gd name="connsiteX81" fmla="*/ 3491740 w 12226455"/>
+              <a:gd name="connsiteY81" fmla="*/ 2092551 h 2094438"/>
+              <a:gd name="connsiteX82" fmla="*/ 3381317 w 12226455"/>
+              <a:gd name="connsiteY82" fmla="*/ 2072555 h 2094438"/>
+              <a:gd name="connsiteX83" fmla="*/ 3248436 w 12226455"/>
+              <a:gd name="connsiteY83" fmla="*/ 2062278 h 2094438"/>
+              <a:gd name="connsiteX84" fmla="*/ 3028186 w 12226455"/>
+              <a:gd name="connsiteY84" fmla="*/ 2060434 h 2094438"/>
+              <a:gd name="connsiteX85" fmla="*/ 2637295 w 12226455"/>
+              <a:gd name="connsiteY85" fmla="*/ 2026539 h 2094438"/>
+              <a:gd name="connsiteX86" fmla="*/ 2222596 w 12226455"/>
+              <a:gd name="connsiteY86" fmla="*/ 1936508 h 2094438"/>
+              <a:gd name="connsiteX87" fmla="*/ 2139456 w 12226455"/>
+              <a:gd name="connsiteY87" fmla="*/ 1911826 h 2094438"/>
+              <a:gd name="connsiteX88" fmla="*/ 1981598 w 12226455"/>
+              <a:gd name="connsiteY88" fmla="*/ 1886446 h 2094438"/>
+              <a:gd name="connsiteX89" fmla="*/ 1980797 w 12226455"/>
+              <a:gd name="connsiteY89" fmla="*/ 1886431 h 2094438"/>
+              <a:gd name="connsiteX90" fmla="*/ 1980797 w 12226455"/>
+              <a:gd name="connsiteY90" fmla="*/ 1871257 h 2094438"/>
+              <a:gd name="connsiteX91" fmla="*/ 1849717 w 12226455"/>
+              <a:gd name="connsiteY91" fmla="*/ 1881890 h 2094438"/>
+              <a:gd name="connsiteX92" fmla="*/ 1687091 w 12226455"/>
+              <a:gd name="connsiteY92" fmla="*/ 1842347 h 2094438"/>
+              <a:gd name="connsiteX93" fmla="*/ 1596958 w 12226455"/>
+              <a:gd name="connsiteY93" fmla="*/ 1804773 h 2094438"/>
+              <a:gd name="connsiteX94" fmla="*/ 1521970 w 12226455"/>
+              <a:gd name="connsiteY94" fmla="*/ 1790233 h 2094438"/>
+              <a:gd name="connsiteX95" fmla="*/ 1412763 w 12226455"/>
+              <a:gd name="connsiteY95" fmla="*/ 1794175 h 2094438"/>
+              <a:gd name="connsiteX96" fmla="*/ 1296465 w 12226455"/>
+              <a:gd name="connsiteY96" fmla="*/ 1797322 h 2094438"/>
+              <a:gd name="connsiteX97" fmla="*/ 1289314 w 12226455"/>
+              <a:gd name="connsiteY97" fmla="*/ 1796575 h 2094438"/>
+              <a:gd name="connsiteX98" fmla="*/ 1209396 w 12226455"/>
+              <a:gd name="connsiteY98" fmla="*/ 1799340 h 2094438"/>
+              <a:gd name="connsiteX99" fmla="*/ 1178816 w 12226455"/>
+              <a:gd name="connsiteY99" fmla="*/ 1797726 h 2094438"/>
+              <a:gd name="connsiteX100" fmla="*/ 1118448 w 12226455"/>
+              <a:gd name="connsiteY100" fmla="*/ 1799162 h 2094438"/>
+              <a:gd name="connsiteX101" fmla="*/ 1109457 w 12226455"/>
+              <a:gd name="connsiteY101" fmla="*/ 1799309 h 2094438"/>
+              <a:gd name="connsiteX102" fmla="*/ 1051695 w 12226455"/>
+              <a:gd name="connsiteY102" fmla="*/ 1795466 h 2094438"/>
+              <a:gd name="connsiteX103" fmla="*/ 1047719 w 12226455"/>
+              <a:gd name="connsiteY103" fmla="*/ 1796377 h 2094438"/>
+              <a:gd name="connsiteX104" fmla="*/ 1013633 w 12226455"/>
+              <a:gd name="connsiteY104" fmla="*/ 1794723 h 2094438"/>
+              <a:gd name="connsiteX105" fmla="*/ 1008016 w 12226455"/>
+              <a:gd name="connsiteY105" fmla="*/ 1792656 h 2094438"/>
+              <a:gd name="connsiteX106" fmla="*/ 999124 w 12226455"/>
+              <a:gd name="connsiteY106" fmla="*/ 1794019 h 2094438"/>
+              <a:gd name="connsiteX107" fmla="*/ 955075 w 12226455"/>
+              <a:gd name="connsiteY107" fmla="*/ 1791883 h 2094438"/>
+              <a:gd name="connsiteX108" fmla="*/ 882562 w 12226455"/>
+              <a:gd name="connsiteY108" fmla="*/ 1796804 h 2094438"/>
+              <a:gd name="connsiteX109" fmla="*/ 879961 w 12226455"/>
+              <a:gd name="connsiteY109" fmla="*/ 1796413 h 2094438"/>
+              <a:gd name="connsiteX110" fmla="*/ 879375 w 12226455"/>
+              <a:gd name="connsiteY110" fmla="*/ 1796200 h 2094438"/>
+              <a:gd name="connsiteX111" fmla="*/ 826826 w 12226455"/>
+              <a:gd name="connsiteY111" fmla="*/ 1773120 h 2094438"/>
+              <a:gd name="connsiteX112" fmla="*/ 788810 w 12226455"/>
+              <a:gd name="connsiteY112" fmla="*/ 1780877 h 2094438"/>
+              <a:gd name="connsiteX113" fmla="*/ 786858 w 12226455"/>
+              <a:gd name="connsiteY113" fmla="*/ 1782406 h 2094438"/>
+              <a:gd name="connsiteX114" fmla="*/ 719311 w 12226455"/>
+              <a:gd name="connsiteY114" fmla="*/ 1772245 h 2094438"/>
+              <a:gd name="connsiteX115" fmla="*/ 605941 w 12226455"/>
+              <a:gd name="connsiteY115" fmla="*/ 1750592 h 2094438"/>
+              <a:gd name="connsiteX116" fmla="*/ 571662 w 12226455"/>
+              <a:gd name="connsiteY116" fmla="*/ 1759938 h 2094438"/>
+              <a:gd name="connsiteX117" fmla="*/ 561295 w 12226455"/>
+              <a:gd name="connsiteY117" fmla="*/ 1764746 h 2094438"/>
+              <a:gd name="connsiteX118" fmla="*/ 552495 w 12226455"/>
+              <a:gd name="connsiteY118" fmla="*/ 1762244 h 2094438"/>
+              <a:gd name="connsiteX119" fmla="*/ 387891 w 12226455"/>
+              <a:gd name="connsiteY119" fmla="*/ 1712379 h 2094438"/>
+              <a:gd name="connsiteX120" fmla="*/ 264389 w 12226455"/>
+              <a:gd name="connsiteY120" fmla="*/ 1691576 h 2094438"/>
+              <a:gd name="connsiteX121" fmla="*/ 155395 w 12226455"/>
+              <a:gd name="connsiteY121" fmla="*/ 1682653 h 2094438"/>
+              <a:gd name="connsiteX122" fmla="*/ 114621 w 12226455"/>
+              <a:gd name="connsiteY122" fmla="*/ 1682091 h 2094438"/>
+              <a:gd name="connsiteX123" fmla="*/ 84645 w 12226455"/>
+              <a:gd name="connsiteY123" fmla="*/ 1684851 h 2094438"/>
+              <a:gd name="connsiteX124" fmla="*/ 10003 w 12226455"/>
+              <a:gd name="connsiteY124" fmla="*/ 1674828 h 2094438"/>
+              <a:gd name="connsiteX125" fmla="*/ 0 w 12226455"/>
+              <a:gd name="connsiteY125" fmla="*/ 1673934 h 2094438"/>
+              <a:gd name="connsiteX126" fmla="*/ 1013 w 12226455"/>
+              <a:gd name="connsiteY126" fmla="*/ 0 h 2094438"/>
+            </a:gdLst>
+            <a:ahLst/>
+            <a:cxnLst>
+              <a:cxn ang="0">
+                <a:pos x="connsiteX0" y="connsiteY0"/>
+              </a:cxn>
+              <a:cxn ang="0">
+                <a:pos x="connsiteX1" y="connsiteY1"/>
+              </a:cxn>
+              <a:cxn ang="0">
+                <a:pos x="connsiteX2" y="connsiteY2"/>
+              </a:cxn>
+              <a:cxn ang="0">
+                <a:pos x="connsiteX3" y="connsiteY3"/>
+              </a:cxn>
+              <a:cxn ang="0">
+                <a:pos x="connsiteX4" y="connsiteY4"/>
+              </a:cxn>
+              <a:cxn ang="0">
+                <a:pos x="connsiteX5" y="connsiteY5"/>
+              </a:cxn>
+              <a:cxn ang="0">
+                <a:pos x="connsiteX6" y="connsiteY6"/>
+              </a:cxn>
+              <a:cxn ang="0">
+                <a:pos x="connsiteX7" y="connsiteY7"/>
+              </a:cxn>
+              <a:cxn ang="0">
+                <a:pos x="connsiteX8" y="connsiteY8"/>
+              </a:cxn>
+              <a:cxn ang="0">
+                <a:pos x="connsiteX9" y="connsiteY9"/>
+              </a:cxn>
+              <a:cxn ang="0">
+                <a:pos x="connsiteX10" y="connsiteY10"/>
+              </a:cxn>
+              <a:cxn ang="0">
+                <a:pos x="connsiteX11" y="connsiteY11"/>
+              </a:cxn>
+              <a:cxn ang="0">
+                <a:pos x="connsiteX12" y="connsiteY12"/>
+              </a:cxn>
+              <a:cxn ang="0">
+                <a:pos x="connsiteX13" y="connsiteY13"/>
+              </a:cxn>
+              <a:cxn ang="0">
+                <a:pos x="connsiteX14" y="connsiteY14"/>
+              </a:cxn>
+              <a:cxn ang="0">
+                <a:pos x="connsiteX15" y="connsiteY15"/>
+              </a:cxn>
+              <a:cxn ang="0">
+                <a:pos x="connsiteX16" y="connsiteY16"/>
+              </a:cxn>
+              <a:cxn ang="0">
+                <a:pos x="connsiteX17" y="connsiteY17"/>
+              </a:cxn>
+              <a:cxn ang="0">
+                <a:pos x="connsiteX18" y="connsiteY18"/>
+              </a:cxn>
+              <a:cxn ang="0">
+                <a:pos x="connsiteX19" y="connsiteY19"/>
+              </a:cxn>
+              <a:cxn ang="0">
+                <a:pos x="connsiteX20" y="connsiteY20"/>
+              </a:cxn>
+              <a:cxn ang="0">
+                <a:pos x="connsiteX21" y="connsiteY21"/>
+              </a:cxn>
+              <a:cxn ang="0">
+                <a:pos x="connsiteX22" y="connsiteY22"/>
+              </a:cxn>
+              <a:cxn ang="0">
+                <a:pos x="connsiteX23" y="connsiteY23"/>
+              </a:cxn>
+              <a:cxn ang="0">
+                <a:pos x="connsiteX24" y="connsiteY24"/>
+              </a:cxn>
+              <a:cxn ang="0">
+                <a:pos x="connsiteX25" y="connsiteY25"/>
+              </a:cxn>
+              <a:cxn ang="0">
+                <a:pos x="connsiteX26" y="connsiteY26"/>
+              </a:cxn>
+              <a:cxn ang="0">
+                <a:pos x="connsiteX27" y="connsiteY27"/>
+              </a:cxn>
+              <a:cxn ang="0">
+                <a:pos x="connsiteX28" y="connsiteY28"/>
+              </a:cxn>
+              <a:cxn ang="0">
+                <a:pos x="connsiteX29" y="connsiteY29"/>
+              </a:cxn>
+              <a:cxn ang="0">
+                <a:pos x="connsiteX30" y="connsiteY30"/>
+              </a:cxn>
+              <a:cxn ang="0">
+                <a:pos x="connsiteX31" y="connsiteY31"/>
+              </a:cxn>
+              <a:cxn ang="0">
+                <a:pos x="connsiteX32" y="connsiteY32"/>
+              </a:cxn>
+              <a:cxn ang="0">
+                <a:pos x="connsiteX33" y="connsiteY33"/>
+              </a:cxn>
+              <a:cxn ang="0">
+                <a:pos x="connsiteX34" y="connsiteY34"/>
+              </a:cxn>
+              <a:cxn ang="0">
+                <a:pos x="connsiteX35" y="connsiteY35"/>
+              </a:cxn>
+              <a:cxn ang="0">
+                <a:pos x="connsiteX36" y="connsiteY36"/>
+              </a:cxn>
+              <a:cxn ang="0">
+                <a:pos x="connsiteX37" y="connsiteY37"/>
+              </a:cxn>
+              <a:cxn ang="0">
+                <a:pos x="connsiteX38" y="connsiteY38"/>
+              </a:cxn>
+              <a:cxn ang="0">
+                <a:pos x="connsiteX39" y="connsiteY39"/>
+              </a:cxn>
+              <a:cxn ang="0">
+                <a:pos x="connsiteX40" y="connsiteY40"/>
+              </a:cxn>
+              <a:cxn ang="0">
+                <a:pos x="connsiteX41" y="connsiteY41"/>
+              </a:cxn>
+              <a:cxn ang="0">
+                <a:pos x="connsiteX42" y="connsiteY42"/>
+              </a:cxn>
+              <a:cxn ang="0">
+                <a:pos x="connsiteX43" y="connsiteY43"/>
+              </a:cxn>
+              <a:cxn ang="0">
+                <a:pos x="connsiteX44" y="connsiteY44"/>
+              </a:cxn>
+              <a:cxn ang="0">
+                <a:pos x="connsiteX45" y="connsiteY45"/>
+              </a:cxn>
+              <a:cxn ang="0">
+                <a:pos x="connsiteX46" y="connsiteY46"/>
+              </a:cxn>
+              <a:cxn ang="0">
+                <a:pos x="connsiteX47" y="connsiteY47"/>
+              </a:cxn>
+              <a:cxn ang="0">
+                <a:pos x="connsiteX48" y="connsiteY48"/>
+              </a:cxn>
+              <a:cxn ang="0">
+                <a:pos x="connsiteX49" y="connsiteY49"/>
+              </a:cxn>
+              <a:cxn ang="0">
+                <a:pos x="connsiteX50" y="connsiteY50"/>
+              </a:cxn>
+              <a:cxn ang="0">
+                <a:pos x="connsiteX51" y="connsiteY51"/>
+              </a:cxn>
+              <a:cxn ang="0">
+                <a:pos x="connsiteX52" y="connsiteY52"/>
+              </a:cxn>
+              <a:cxn ang="0">
+                <a:pos x="connsiteX53" y="connsiteY53"/>
+              </a:cxn>
+              <a:cxn ang="0">
+                <a:pos x="connsiteX54" y="connsiteY54"/>
+              </a:cxn>
+              <a:cxn ang="0">
+                <a:pos x="connsiteX55" y="connsiteY55"/>
+              </a:cxn>
+              <a:cxn ang="0">
+                <a:pos x="connsiteX56" y="connsiteY56"/>
+              </a:cxn>
+              <a:cxn ang="0">
+                <a:pos x="connsiteX57" y="connsiteY57"/>
+              </a:cxn>
+              <a:cxn ang="0">
+                <a:pos x="connsiteX58" y="connsiteY58"/>
+              </a:cxn>
+              <a:cxn ang="0">
+                <a:pos x="connsiteX59" y="connsiteY59"/>
+              </a:cxn>
+              <a:cxn ang="0">
+                <a:pos x="connsiteX60" y="connsiteY60"/>
+              </a:cxn>
+              <a:cxn ang="0">
+                <a:pos x="connsiteX61" y="connsiteY61"/>
+              </a:cxn>
+              <a:cxn ang="0">
+                <a:pos x="connsiteX62" y="connsiteY62"/>
+              </a:cxn>
+              <a:cxn ang="0">
+                <a:pos x="connsiteX63" y="connsiteY63"/>
+              </a:cxn>
+              <a:cxn ang="0">
+                <a:pos x="connsiteX64" y="connsiteY64"/>
+              </a:cxn>
+              <a:cxn ang="0">
+                <a:pos x="connsiteX65" y="connsiteY65"/>
+              </a:cxn>
+              <a:cxn ang="0">
+                <a:pos x="connsiteX66" y="connsiteY66"/>
+              </a:cxn>
+              <a:cxn ang="0">
+                <a:pos x="connsiteX67" y="connsiteY67"/>
+              </a:cxn>
+              <a:cxn ang="0">
+                <a:pos x="connsiteX68" y="connsiteY68"/>
+              </a:cxn>
+              <a:cxn ang="0">
+                <a:pos x="connsiteX69" y="connsiteY69"/>
+              </a:cxn>
+              <a:cxn ang="0">
+                <a:pos x="connsiteX70" y="connsiteY70"/>
+              </a:cxn>
+              <a:cxn ang="0">
+                <a:pos x="connsiteX71" y="connsiteY71"/>
+              </a:cxn>
+              <a:cxn ang="0">
+                <a:pos x="connsiteX72" y="connsiteY72"/>
+              </a:cxn>
+              <a:cxn ang="0">
+                <a:pos x="connsiteX73" y="connsiteY73"/>
+              </a:cxn>
+              <a:cxn ang="0">
+                <a:pos x="connsiteX74" y="connsiteY74"/>
+              </a:cxn>
+              <a:cxn ang="0">
+                <a:pos x="connsiteX75" y="connsiteY75"/>
+              </a:cxn>
+              <a:cxn ang="0">
+                <a:pos x="connsiteX76" y="connsiteY76"/>
+              </a:cxn>
+              <a:cxn ang="0">
+                <a:pos x="connsiteX77" y="connsiteY77"/>
+              </a:cxn>
+              <a:cxn ang="0">
+                <a:pos x="connsiteX78" y="connsiteY78"/>
+              </a:cxn>
+              <a:cxn ang="0">
+                <a:pos x="connsiteX79" y="connsiteY79"/>
+              </a:cxn>
+              <a:cxn ang="0">
+                <a:pos x="connsiteX80" y="connsiteY80"/>
+              </a:cxn>
+              <a:cxn ang="0">
+                <a:pos x="connsiteX81" y="connsiteY81"/>
+              </a:cxn>
+              <a:cxn ang="0">
+                <a:pos x="connsiteX82" y="connsiteY82"/>
+              </a:cxn>
+              <a:cxn ang="0">
+                <a:pos x="connsiteX83" y="connsiteY83"/>
+              </a:cxn>
+              <a:cxn ang="0">
+                <a:pos x="connsiteX84" y="connsiteY84"/>
+              </a:cxn>
+              <a:cxn ang="0">
+                <a:pos x="connsiteX85" y="connsiteY85"/>
+              </a:cxn>
+              <a:cxn ang="0">
+                <a:pos x="connsiteX86" y="connsiteY86"/>
+              </a:cxn>
+              <a:cxn ang="0">
+                <a:pos x="connsiteX87" y="connsiteY87"/>
+              </a:cxn>
+              <a:cxn ang="0">
+                <a:pos x="connsiteX88" y="connsiteY88"/>
+              </a:cxn>
+              <a:cxn ang="0">
+                <a:pos x="connsiteX89" y="connsiteY89"/>
+              </a:cxn>
+              <a:cxn ang="0">
+                <a:pos x="connsiteX90" y="connsiteY90"/>
+              </a:cxn>
+              <a:cxn ang="0">
+                <a:pos x="connsiteX91" y="connsiteY91"/>
+              </a:cxn>
+              <a:cxn ang="0">
+                <a:pos x="connsiteX92" y="connsiteY92"/>
+              </a:cxn>
+              <a:cxn ang="0">
+                <a:pos x="connsiteX93" y="connsiteY93"/>
+              </a:cxn>
+              <a:cxn ang="0">
+                <a:pos x="connsiteX94" y="connsiteY94"/>
+              </a:cxn>
+              <a:cxn ang="0">
+                <a:pos x="connsiteX95" y="connsiteY95"/>
+              </a:cxn>
+              <a:cxn ang="0">
+                <a:pos x="connsiteX96" y="connsiteY96"/>
+              </a:cxn>
+              <a:cxn ang="0">
+                <a:pos x="connsiteX97" y="connsiteY97"/>
+              </a:cxn>
+              <a:cxn ang="0">
+                <a:pos x="connsiteX98" y="connsiteY98"/>
+              </a:cxn>
+              <a:cxn ang="0">
+                <a:pos x="connsiteX99" y="connsiteY99"/>
+              </a:cxn>
+              <a:cxn ang="0">
+                <a:pos x="connsiteX100" y="connsiteY100"/>
+              </a:cxn>
+              <a:cxn ang="0">
+                <a:pos x="connsiteX101" y="connsiteY101"/>
+              </a:cxn>
+              <a:cxn ang="0">
+                <a:pos x="connsiteX102" y="connsiteY102"/>
+              </a:cxn>
+              <a:cxn ang="0">
+                <a:pos x="connsiteX103" y="connsiteY103"/>
+              </a:cxn>
+              <a:cxn ang="0">
+                <a:pos x="connsiteX104" y="connsiteY104"/>
+              </a:cxn>
+              <a:cxn ang="0">
+                <a:pos x="connsiteX105" y="connsiteY105"/>
+              </a:cxn>
+              <a:cxn ang="0">
+                <a:pos x="connsiteX106" y="connsiteY106"/>
+              </a:cxn>
+              <a:cxn ang="0">
+                <a:pos x="connsiteX107" y="connsiteY107"/>
+              </a:cxn>
+              <a:cxn ang="0">
+                <a:pos x="connsiteX108" y="connsiteY108"/>
+              </a:cxn>
+              <a:cxn ang="0">
+                <a:pos x="connsiteX109" y="connsiteY109"/>
+              </a:cxn>
+              <a:cxn ang="0">
+                <a:pos x="connsiteX110" y="connsiteY110"/>
+              </a:cxn>
+              <a:cxn ang="0">
+                <a:pos x="connsiteX111" y="connsiteY111"/>
+              </a:cxn>
+              <a:cxn ang="0">
+                <a:pos x="connsiteX112" y="connsiteY112"/>
+              </a:cxn>
+              <a:cxn ang="0">
+                <a:pos x="connsiteX113" y="connsiteY113"/>
+              </a:cxn>
+              <a:cxn ang="0">
+                <a:pos x="connsiteX114" y="connsiteY114"/>
+              </a:cxn>
+              <a:cxn ang="0">
+                <a:pos x="connsiteX115" y="connsiteY115"/>
+              </a:cxn>
+              <a:cxn ang="0">
+                <a:pos x="connsiteX116" y="connsiteY116"/>
+              </a:cxn>
+              <a:cxn ang="0">
+                <a:pos x="connsiteX117" y="connsiteY117"/>
+              </a:cxn>
+              <a:cxn ang="0">
+                <a:pos x="connsiteX118" y="connsiteY118"/>
+              </a:cxn>
+              <a:cxn ang="0">
+                <a:pos x="connsiteX119" y="connsiteY119"/>
+              </a:cxn>
+              <a:cxn ang="0">
+                <a:pos x="connsiteX120" y="connsiteY120"/>
+              </a:cxn>
+              <a:cxn ang="0">
+                <a:pos x="connsiteX121" y="connsiteY121"/>
+              </a:cxn>
+              <a:cxn ang="0">
+                <a:pos x="connsiteX122" y="connsiteY122"/>
+              </a:cxn>
+              <a:cxn ang="0">
+                <a:pos x="connsiteX123" y="connsiteY123"/>
+              </a:cxn>
+              <a:cxn ang="0">
+                <a:pos x="connsiteX124" y="connsiteY124"/>
+              </a:cxn>
+              <a:cxn ang="0">
+                <a:pos x="connsiteX125" y="connsiteY125"/>
+              </a:cxn>
+              <a:cxn ang="0">
+                <a:pos x="connsiteX126" y="connsiteY126"/>
+              </a:cxn>
+            </a:cxnLst>
+            <a:rect l="l" t="t" r="r" b="b"/>
+            <a:pathLst>
+              <a:path w="12226455" h="2094438">
+                <a:moveTo>
+                  <a:pt x="1013" y="0"/>
+                </a:moveTo>
+                <a:lnTo>
+                  <a:pt x="12226455" y="0"/>
+                </a:lnTo>
+                <a:lnTo>
+                  <a:pt x="12226455" y="457198"/>
+                </a:lnTo>
+                <a:lnTo>
+                  <a:pt x="12226455" y="1016758"/>
+                </a:lnTo>
+                <a:lnTo>
+                  <a:pt x="12226455" y="1392257"/>
+                </a:lnTo>
+                <a:lnTo>
+                  <a:pt x="12210010" y="1392079"/>
+                </a:lnTo>
+                <a:cubicBezTo>
+                  <a:pt x="12177369" y="1401762"/>
+                  <a:pt x="12165221" y="1375797"/>
+                  <a:pt x="12097957" y="1378121"/>
+                </a:cubicBezTo>
+                <a:cubicBezTo>
+                  <a:pt x="11982408" y="1397026"/>
+                  <a:pt x="11744000" y="1479580"/>
+                  <a:pt x="11705048" y="1504448"/>
+                </a:cubicBezTo>
+                <a:cubicBezTo>
+                  <a:pt x="11653673" y="1545577"/>
+                  <a:pt x="11612549" y="1567611"/>
+                  <a:pt x="11578252" y="1622780"/>
+                </a:cubicBezTo>
+                <a:cubicBezTo>
+                  <a:pt x="11532313" y="1662349"/>
+                  <a:pt x="11474481" y="1608627"/>
+                  <a:pt x="11441414" y="1671606"/>
+                </a:cubicBezTo>
+                <a:cubicBezTo>
+                  <a:pt x="11434289" y="1685031"/>
+                  <a:pt x="11414202" y="1730284"/>
+                  <a:pt x="11384400" y="1726735"/>
+                </a:cubicBezTo>
+                <a:cubicBezTo>
+                  <a:pt x="11364941" y="1726080"/>
+                  <a:pt x="11231983" y="1760808"/>
+                  <a:pt x="11243987" y="1775920"/>
+                </a:cubicBezTo>
+                <a:cubicBezTo>
+                  <a:pt x="11215065" y="1776200"/>
+                  <a:pt x="11198721" y="1785681"/>
+                  <a:pt x="11146741" y="1786963"/>
+                </a:cubicBezTo>
+                <a:cubicBezTo>
+                  <a:pt x="11094761" y="1788246"/>
+                  <a:pt x="11060195" y="1794679"/>
+                  <a:pt x="10932107" y="1783616"/>
+                </a:cubicBezTo>
+                <a:cubicBezTo>
+                  <a:pt x="10815241" y="1773521"/>
+                  <a:pt x="10458451" y="1789204"/>
+                  <a:pt x="10374059" y="1797882"/>
+                </a:cubicBezTo>
+                <a:cubicBezTo>
+                  <a:pt x="10266568" y="1803488"/>
+                  <a:pt x="10301733" y="1805661"/>
+                  <a:pt x="10227592" y="1817257"/>
+                </a:cubicBezTo>
+                <a:cubicBezTo>
+                  <a:pt x="10159795" y="1826913"/>
+                  <a:pt x="10151758" y="1821828"/>
+                  <a:pt x="10015680" y="1830474"/>
+                </a:cubicBezTo>
+                <a:cubicBezTo>
+                  <a:pt x="9814162" y="1843361"/>
+                  <a:pt x="9618601" y="1880077"/>
+                  <a:pt x="9411126" y="1869136"/>
+                </a:cubicBezTo>
+                <a:cubicBezTo>
+                  <a:pt x="9373213" y="1876546"/>
+                  <a:pt x="9394950" y="1893604"/>
+                  <a:pt x="9341661" y="1903018"/>
+                </a:cubicBezTo>
+                <a:cubicBezTo>
+                  <a:pt x="9288372" y="1912432"/>
+                  <a:pt x="9130756" y="1921467"/>
+                  <a:pt x="9091392" y="1925623"/>
+                </a:cubicBezTo>
+                <a:cubicBezTo>
+                  <a:pt x="9071445" y="1919716"/>
+                  <a:pt x="9058205" y="1924023"/>
+                  <a:pt x="9046316" y="1931643"/>
+                </a:cubicBezTo>
+                <a:cubicBezTo>
+                  <a:pt x="9004352" y="1932420"/>
+                  <a:pt x="8969757" y="1927074"/>
+                  <a:pt x="8924496" y="1934111"/>
+                </a:cubicBezTo>
+                <a:cubicBezTo>
+                  <a:pt x="8873011" y="1946604"/>
+                  <a:pt x="8777904" y="1946721"/>
+                  <a:pt x="8730039" y="1958718"/>
+                </a:cubicBezTo>
+                <a:cubicBezTo>
+                  <a:pt x="8656986" y="1947221"/>
+                  <a:pt x="8743731" y="1973503"/>
+                  <a:pt x="8637317" y="1976178"/>
+                </a:cubicBezTo>
+                <a:cubicBezTo>
+                  <a:pt x="8598500" y="1987499"/>
+                  <a:pt x="8556435" y="2024586"/>
+                  <a:pt x="8497138" y="2026648"/>
+                </a:cubicBezTo>
+                <a:cubicBezTo>
+                  <a:pt x="8440495" y="2027805"/>
+                  <a:pt x="8318556" y="2034713"/>
+                  <a:pt x="8281534" y="2036428"/>
+                </a:cubicBezTo>
+                <a:lnTo>
+                  <a:pt x="8275009" y="2036933"/>
+                </a:lnTo>
+                <a:lnTo>
+                  <a:pt x="8215546" y="2024013"/>
+                </a:lnTo>
+                <a:cubicBezTo>
+                  <a:pt x="8215156" y="2029330"/>
+                  <a:pt x="8197251" y="2030867"/>
+                  <a:pt x="8191205" y="2026109"/>
+                </a:cubicBezTo>
+                <a:cubicBezTo>
+                  <a:pt x="8059869" y="1999550"/>
+                  <a:pt x="8100586" y="2055132"/>
+                  <a:pt x="8022833" y="2020804"/>
+                </a:cubicBezTo>
+                <a:cubicBezTo>
+                  <a:pt x="7953710" y="2021891"/>
+                  <a:pt x="7909025" y="2032330"/>
+                  <a:pt x="7842457" y="2032833"/>
+                </a:cubicBezTo>
+                <a:cubicBezTo>
+                  <a:pt x="7775888" y="2033334"/>
+                  <a:pt x="7690162" y="2026488"/>
+                  <a:pt x="7623424" y="2023819"/>
+                </a:cubicBezTo>
+                <a:cubicBezTo>
+                  <a:pt x="7539371" y="2028810"/>
+                  <a:pt x="7562808" y="2029306"/>
+                  <a:pt x="7513247" y="2034454"/>
+                </a:cubicBezTo>
+                <a:cubicBezTo>
+                  <a:pt x="7352211" y="2028209"/>
+                  <a:pt x="7354639" y="2049419"/>
+                  <a:pt x="7252408" y="2048724"/>
+                </a:cubicBezTo>
+                <a:cubicBezTo>
+                  <a:pt x="7204063" y="2040800"/>
+                  <a:pt x="7114224" y="2024619"/>
+                  <a:pt x="7058491" y="2026452"/>
+                </a:cubicBezTo>
+                <a:cubicBezTo>
+                  <a:pt x="7021084" y="2020844"/>
+                  <a:pt x="7045432" y="2013227"/>
+                  <a:pt x="7014654" y="2008338"/>
+                </a:cubicBezTo>
+                <a:lnTo>
+                  <a:pt x="6869558" y="2009516"/>
+                </a:lnTo>
+                <a:cubicBezTo>
+                  <a:pt x="6847718" y="2014302"/>
+                  <a:pt x="6856427" y="1989230"/>
+                  <a:pt x="6801700" y="1992683"/>
+                </a:cubicBezTo>
+                <a:lnTo>
+                  <a:pt x="6630448" y="1990539"/>
+                </a:lnTo>
+                <a:cubicBezTo>
+                  <a:pt x="6554012" y="1987613"/>
+                  <a:pt x="6428437" y="1977252"/>
+                  <a:pt x="6343083" y="1975132"/>
+                </a:cubicBezTo>
+                <a:cubicBezTo>
+                  <a:pt x="6257729" y="1973011"/>
+                  <a:pt x="6200984" y="1982277"/>
+                  <a:pt x="6118325" y="1977815"/>
+                </a:cubicBezTo>
+                <a:cubicBezTo>
+                  <a:pt x="6040211" y="1994968"/>
+                  <a:pt x="6018927" y="1986168"/>
+                  <a:pt x="5951117" y="1980301"/>
+                </a:cubicBezTo>
+                <a:lnTo>
+                  <a:pt x="5899039" y="1970051"/>
+                </a:lnTo>
+                <a:lnTo>
+                  <a:pt x="5826960" y="1971340"/>
+                </a:lnTo>
+                <a:cubicBezTo>
+                  <a:pt x="5822059" y="1972558"/>
+                  <a:pt x="5785971" y="1973629"/>
+                  <a:pt x="5750590" y="1974055"/>
+                </a:cubicBezTo>
+                <a:lnTo>
+                  <a:pt x="5692650" y="1973132"/>
+                </a:lnTo>
+                <a:lnTo>
+                  <a:pt x="5707621" y="1971397"/>
+                </a:lnTo>
+                <a:lnTo>
+                  <a:pt x="5678447" y="1972906"/>
+                </a:lnTo>
+                <a:lnTo>
+                  <a:pt x="5692650" y="1973132"/>
+                </a:lnTo>
+                <a:lnTo>
+                  <a:pt x="5624294" y="1981056"/>
+                </a:lnTo>
+                <a:cubicBezTo>
+                  <a:pt x="5604222" y="1980507"/>
+                  <a:pt x="5576756" y="1968021"/>
+                  <a:pt x="5554110" y="1965114"/>
+                </a:cubicBezTo>
+                <a:cubicBezTo>
+                  <a:pt x="5531465" y="1962207"/>
+                  <a:pt x="5518322" y="1978148"/>
+                  <a:pt x="5488422" y="1963610"/>
+                </a:cubicBezTo>
+                <a:cubicBezTo>
+                  <a:pt x="5435072" y="1960415"/>
+                  <a:pt x="5306254" y="1946327"/>
+                  <a:pt x="5234009" y="1945946"/>
+                </a:cubicBezTo>
+                <a:cubicBezTo>
+                  <a:pt x="5161765" y="1945566"/>
+                  <a:pt x="5099209" y="1955491"/>
+                  <a:pt x="5054956" y="1961326"/>
+                </a:cubicBezTo>
+                <a:cubicBezTo>
+                  <a:pt x="5010704" y="1967160"/>
+                  <a:pt x="4975591" y="1978636"/>
+                  <a:pt x="4968494" y="1980959"/>
+                </a:cubicBezTo>
+                <a:lnTo>
+                  <a:pt x="4887159" y="1987230"/>
+                </a:lnTo>
+                <a:lnTo>
+                  <a:pt x="4823752" y="2010623"/>
+                </a:lnTo>
+                <a:lnTo>
+                  <a:pt x="4763730" y="2037027"/>
+                </a:lnTo>
+                <a:lnTo>
+                  <a:pt x="4758100" y="2037626"/>
+                </a:lnTo>
+                <a:lnTo>
+                  <a:pt x="4753293" y="2034727"/>
+                </a:lnTo>
+                <a:lnTo>
+                  <a:pt x="4738854" y="2040382"/>
+                </a:lnTo>
+                <a:cubicBezTo>
+                  <a:pt x="4719567" y="2047559"/>
+                  <a:pt x="4700371" y="2052707"/>
+                  <a:pt x="4679090" y="2049175"/>
+                </a:cubicBezTo>
+                <a:cubicBezTo>
+                  <a:pt x="4677019" y="2053404"/>
+                  <a:pt x="4674180" y="2057026"/>
+                  <a:pt x="4670823" y="2060199"/>
+                </a:cubicBezTo>
+                <a:lnTo>
+                  <a:pt x="4652693" y="2068081"/>
+                </a:lnTo>
+                <a:lnTo>
+                  <a:pt x="4596668" y="2066844"/>
+                </a:lnTo>
+                <a:lnTo>
+                  <a:pt x="4515079" y="2093488"/>
+                </a:lnTo>
+                <a:cubicBezTo>
+                  <a:pt x="4463698" y="2097853"/>
+                  <a:pt x="4402865" y="2085692"/>
+                  <a:pt x="4359987" y="2087091"/>
+                </a:cubicBezTo>
+                <a:cubicBezTo>
+                  <a:pt x="4331010" y="2088701"/>
+                  <a:pt x="4325018" y="2064931"/>
+                  <a:pt x="4299514" y="2072092"/>
+                </a:cubicBezTo>
+                <a:cubicBezTo>
+                  <a:pt x="4273371" y="2072636"/>
+                  <a:pt x="4227618" y="2083997"/>
+                  <a:pt x="4215049" y="2078442"/>
+                </a:cubicBezTo>
+                <a:lnTo>
+                  <a:pt x="4182398" y="2068549"/>
+                </a:lnTo>
+                <a:lnTo>
+                  <a:pt x="4148880" y="2087980"/>
+                </a:lnTo>
+                <a:lnTo>
+                  <a:pt x="4132217" y="2074087"/>
+                </a:lnTo>
+                <a:lnTo>
+                  <a:pt x="4073825" y="2078770"/>
+                </a:lnTo>
+                <a:lnTo>
+                  <a:pt x="3997663" y="2084777"/>
+                </a:lnTo>
+                <a:lnTo>
+                  <a:pt x="4004645" y="2091682"/>
+                </a:lnTo>
+                <a:lnTo>
+                  <a:pt x="3969056" y="2094067"/>
+                </a:lnTo>
+                <a:lnTo>
+                  <a:pt x="3959847" y="2091531"/>
+                </a:lnTo>
+                <a:cubicBezTo>
+                  <a:pt x="3956591" y="2093697"/>
+                  <a:pt x="3932491" y="2091838"/>
+                  <a:pt x="3925749" y="2090653"/>
+                </a:cubicBezTo>
+                <a:lnTo>
+                  <a:pt x="3860022" y="2080934"/>
+                </a:lnTo>
+                <a:lnTo>
+                  <a:pt x="3741602" y="2071656"/>
+                </a:lnTo>
+                <a:cubicBezTo>
+                  <a:pt x="3685648" y="2078843"/>
+                  <a:pt x="3689521" y="2069398"/>
+                  <a:pt x="3608325" y="2079355"/>
+                </a:cubicBezTo>
+                <a:cubicBezTo>
+                  <a:pt x="3559435" y="2105880"/>
+                  <a:pt x="3544328" y="2078348"/>
+                  <a:pt x="3491740" y="2092551"/>
+                </a:cubicBezTo>
+                <a:lnTo>
+                  <a:pt x="3381317" y="2072555"/>
+                </a:lnTo>
+                <a:cubicBezTo>
+                  <a:pt x="3321138" y="2069130"/>
+                  <a:pt x="3308615" y="2065704"/>
+                  <a:pt x="3248436" y="2062278"/>
+                </a:cubicBezTo>
+                <a:cubicBezTo>
+                  <a:pt x="3186561" y="2051918"/>
+                  <a:pt x="3130043" y="2066391"/>
+                  <a:pt x="3028186" y="2060434"/>
+                </a:cubicBezTo>
+                <a:cubicBezTo>
+                  <a:pt x="2926329" y="2054477"/>
+                  <a:pt x="2745912" y="2053371"/>
+                  <a:pt x="2637295" y="2026539"/>
+                </a:cubicBezTo>
+                <a:cubicBezTo>
+                  <a:pt x="2508934" y="1999914"/>
+                  <a:pt x="2299666" y="1962591"/>
+                  <a:pt x="2222596" y="1936508"/>
+                </a:cubicBezTo>
+                <a:cubicBezTo>
+                  <a:pt x="2210338" y="1930065"/>
+                  <a:pt x="2150953" y="1915808"/>
+                  <a:pt x="2139456" y="1911826"/>
+                </a:cubicBezTo>
+                <a:cubicBezTo>
+                  <a:pt x="2068355" y="1922769"/>
+                  <a:pt x="2030992" y="1892936"/>
+                  <a:pt x="1981598" y="1886446"/>
+                </a:cubicBezTo>
+                <a:lnTo>
+                  <a:pt x="1980797" y="1886431"/>
+                </a:lnTo>
+                <a:lnTo>
+                  <a:pt x="1980797" y="1871257"/>
+                </a:lnTo>
+                <a:cubicBezTo>
+                  <a:pt x="1970878" y="1851113"/>
+                  <a:pt x="1902643" y="1888334"/>
+                  <a:pt x="1849717" y="1881890"/>
+                </a:cubicBezTo>
+                <a:cubicBezTo>
+                  <a:pt x="1780571" y="1849543"/>
+                  <a:pt x="1735844" y="1854658"/>
+                  <a:pt x="1687091" y="1842347"/>
+                </a:cubicBezTo>
+                <a:cubicBezTo>
+                  <a:pt x="1642649" y="1840578"/>
+                  <a:pt x="1660429" y="1799141"/>
+                  <a:pt x="1596958" y="1804773"/>
+                </a:cubicBezTo>
+                <a:cubicBezTo>
+                  <a:pt x="1571440" y="1791845"/>
+                  <a:pt x="1552669" y="1791999"/>
+                  <a:pt x="1521970" y="1790233"/>
+                </a:cubicBezTo>
+                <a:cubicBezTo>
+                  <a:pt x="1491271" y="1788467"/>
+                  <a:pt x="1450765" y="1792982"/>
+                  <a:pt x="1412763" y="1794175"/>
+                </a:cubicBezTo>
+                <a:lnTo>
+                  <a:pt x="1296465" y="1797322"/>
+                </a:lnTo>
+                <a:lnTo>
+                  <a:pt x="1289314" y="1796575"/>
+                </a:lnTo>
+                <a:cubicBezTo>
+                  <a:pt x="1279395" y="1795482"/>
+                  <a:pt x="1218476" y="1801107"/>
+                  <a:pt x="1209396" y="1799340"/>
+                </a:cubicBezTo>
+                <a:cubicBezTo>
+                  <a:pt x="1193285" y="1802731"/>
+                  <a:pt x="1185050" y="1798716"/>
+                  <a:pt x="1178816" y="1797726"/>
+                </a:cubicBezTo>
+                <a:lnTo>
+                  <a:pt x="1118448" y="1799162"/>
+                </a:lnTo>
+                <a:lnTo>
+                  <a:pt x="1109457" y="1799309"/>
+                </a:lnTo>
+                <a:cubicBezTo>
+                  <a:pt x="1089593" y="1799838"/>
+                  <a:pt x="1070569" y="1799554"/>
+                  <a:pt x="1051695" y="1795466"/>
+                </a:cubicBezTo>
+                <a:lnTo>
+                  <a:pt x="1047719" y="1796377"/>
+                </a:lnTo>
+                <a:lnTo>
+                  <a:pt x="1013633" y="1794723"/>
+                </a:lnTo>
+                <a:lnTo>
+                  <a:pt x="1008016" y="1792656"/>
+                </a:lnTo>
+                <a:lnTo>
+                  <a:pt x="999124" y="1794019"/>
+                </a:lnTo>
+                <a:lnTo>
+                  <a:pt x="955075" y="1791883"/>
+                </a:lnTo>
+                <a:lnTo>
+                  <a:pt x="882562" y="1796804"/>
+                </a:lnTo>
+                <a:lnTo>
+                  <a:pt x="879961" y="1796413"/>
+                </a:lnTo>
+                <a:lnTo>
+                  <a:pt x="879375" y="1796200"/>
+                </a:lnTo>
+                <a:cubicBezTo>
+                  <a:pt x="862130" y="1792463"/>
+                  <a:pt x="843250" y="1774633"/>
+                  <a:pt x="826826" y="1773120"/>
+                </a:cubicBezTo>
+                <a:cubicBezTo>
+                  <a:pt x="833393" y="1786078"/>
+                  <a:pt x="803653" y="1778825"/>
+                  <a:pt x="788810" y="1780877"/>
+                </a:cubicBezTo>
+                <a:lnTo>
+                  <a:pt x="786858" y="1782406"/>
+                </a:lnTo>
+                <a:lnTo>
+                  <a:pt x="719311" y="1772245"/>
+                </a:lnTo>
+                <a:cubicBezTo>
+                  <a:pt x="683699" y="1766739"/>
+                  <a:pt x="633686" y="1751188"/>
+                  <a:pt x="605941" y="1750592"/>
+                </a:cubicBezTo>
+                <a:cubicBezTo>
+                  <a:pt x="593515" y="1760725"/>
+                  <a:pt x="587000" y="1755418"/>
+                  <a:pt x="571662" y="1759938"/>
+                </a:cubicBezTo>
+                <a:lnTo>
+                  <a:pt x="561295" y="1764746"/>
+                </a:lnTo>
+                <a:lnTo>
+                  <a:pt x="552495" y="1762244"/>
+                </a:lnTo>
+                <a:cubicBezTo>
+                  <a:pt x="500782" y="1746577"/>
+                  <a:pt x="434051" y="1724452"/>
+                  <a:pt x="387891" y="1712379"/>
+                </a:cubicBezTo>
+                <a:cubicBezTo>
+                  <a:pt x="360134" y="1707432"/>
+                  <a:pt x="303139" y="1696530"/>
+                  <a:pt x="264389" y="1691576"/>
+                </a:cubicBezTo>
+                <a:cubicBezTo>
+                  <a:pt x="240924" y="1693130"/>
+                  <a:pt x="174668" y="1699683"/>
+                  <a:pt x="155395" y="1682653"/>
+                </a:cubicBezTo>
+                <a:cubicBezTo>
+                  <a:pt x="154268" y="1696979"/>
+                  <a:pt x="127403" y="1672385"/>
+                  <a:pt x="114621" y="1682091"/>
+                </a:cubicBezTo>
+                <a:cubicBezTo>
+                  <a:pt x="105719" y="1690510"/>
+                  <a:pt x="95495" y="1685011"/>
+                  <a:pt x="84645" y="1684851"/>
+                </a:cubicBezTo>
+                <a:cubicBezTo>
+                  <a:pt x="71576" y="1691733"/>
+                  <a:pt x="23446" y="1682420"/>
+                  <a:pt x="10003" y="1674828"/>
+                </a:cubicBezTo>
+                <a:lnTo>
+                  <a:pt x="0" y="1673934"/>
+                </a:lnTo>
+                <a:cubicBezTo>
+                  <a:pt x="338" y="1115956"/>
+                  <a:pt x="675" y="557978"/>
+                  <a:pt x="1013" y="0"/>
+                </a:cubicBezTo>
+                <a:close/>
+              </a:path>
+            </a:pathLst>
+          </a:custGeom>
+          <a:solidFill>
+            <a:srgbClr val="82766A">
+              <a:alpha val="15000"/>
+            </a:srgbClr>
+          </a:solidFill>
+          <a:ln>
+            <a:noFill/>
+          </a:ln>
+        </p:spPr>
+        <p:style>
+          <a:lnRef idx="2">
+            <a:schemeClr val="accent1">
+              <a:shade val="50000"/>
+            </a:schemeClr>
+          </a:lnRef>
+          <a:fillRef idx="1">
+            <a:schemeClr val="accent1"/>
+          </a:fillRef>
+          <a:effectRef idx="0">
+            <a:schemeClr val="accent1"/>
+          </a:effectRef>
+          <a:fontRef idx="minor">
+            <a:schemeClr val="lt1"/>
+          </a:fontRef>
+        </p:style>
+        <p:txBody>
+          <a:bodyPr wrap="square" rtlCol="0" anchor="ctr">
+            <a:noAutofit/>
+          </a:bodyPr>
+          <a:lstStyle/>
+          <a:p>
+            <a:pPr algn="ctr"/>
+            <a:endParaRPr lang="en-US"/>
+          </a:p>
+        </p:txBody>
+      </p:sp>
       <p:sp>
         <p:nvSpPr>
           <p:cNvPr id="2" name="Title 1">
@@ -11827,14 +13913,17 @@
         </p:nvSpPr>
         <p:spPr>
           <a:xfrm>
-            <a:off x="0" y="-40480"/>
-            <a:ext cx="9810604" cy="1216024"/>
+            <a:off x="1384480" y="82479"/>
+            <a:ext cx="9477003" cy="1216024"/>
           </a:xfrm>
         </p:spPr>
         <p:txBody>
-          <a:bodyPr/>
+          <a:bodyPr>
+            <a:normAutofit/>
+          </a:bodyPr>
           <a:lstStyle/>
           <a:p>
+            <a:pPr algn="ctr"/>
             <a:r>
               <a:rPr lang="en-US" b="0" i="0" dirty="0">
                 <a:effectLst/>
@@ -11846,69 +13935,12 @@
           </a:p>
         </p:txBody>
       </p:sp>
-      <p:sp>
-        <p:nvSpPr>
-          <p:cNvPr id="3" name="Content Placeholder 2">
+      <p:pic>
+        <p:nvPicPr>
+          <p:cNvPr id="10" name="Picture 9" descr="A picture containing text, window&#10;&#10;Description automatically generated">
             <a:extLst>
               <a:ext uri="{FF2B5EF4-FFF2-40B4-BE49-F238E27FC236}">
-                <a16:creationId xmlns:a16="http://schemas.microsoft.com/office/drawing/2014/main" id="{D301743D-9DCC-4198-959B-F7AD686186BE}"/>
-              </a:ext>
-            </a:extLst>
-          </p:cNvPr>
-          <p:cNvSpPr>
-            <a:spLocks noGrp="1"/>
-          </p:cNvSpPr>
-          <p:nvPr>
-            <p:ph idx="1"/>
-          </p:nvPr>
-        </p:nvSpPr>
-        <p:spPr>
-          <a:xfrm>
-            <a:off x="396299" y="1105272"/>
-            <a:ext cx="9810604" cy="4428753"/>
-          </a:xfrm>
-        </p:spPr>
-        <p:txBody>
-          <a:bodyPr/>
-          <a:lstStyle/>
-          <a:p>
-            <a:r>
-              <a:rPr lang="en-US" dirty="0"/>
-              <a:t>CNN-SoftMax </a:t>
-            </a:r>
-            <a:br>
-              <a:rPr lang="en-US" dirty="0"/>
-            </a:br>
-            <a:r>
-              <a:rPr lang="en-US" dirty="0"/>
-              <a:t>training accuracy =99%</a:t>
-            </a:r>
-            <a:br>
-              <a:rPr lang="en-US" dirty="0"/>
-            </a:br>
-            <a:r>
-              <a:rPr lang="en-US" dirty="0"/>
-              <a:t>validation accuracy=98.77%</a:t>
-            </a:r>
-            <a:br>
-              <a:rPr lang="en-US" dirty="0"/>
-            </a:br>
-            <a:r>
-              <a:rPr lang="en-US" dirty="0"/>
-              <a:t>testing accuracy=98%</a:t>
-            </a:r>
-          </a:p>
-          <a:p>
-            <a:endParaRPr lang="en-US" dirty="0"/>
-          </a:p>
-        </p:txBody>
-      </p:sp>
-      <p:pic>
-        <p:nvPicPr>
-          <p:cNvPr id="5" name="Picture 4" descr="A screenshot of a computer&#10;&#10;Description automatically generated with medium confidence">
-            <a:extLst>
-              <a:ext uri="{FF2B5EF4-FFF2-40B4-BE49-F238E27FC236}">
-                <a16:creationId xmlns:a16="http://schemas.microsoft.com/office/drawing/2014/main" id="{C35D5C1F-C61C-8C64-8BC4-DBBD002736AE}"/>
+                <a16:creationId xmlns:a16="http://schemas.microsoft.com/office/drawing/2014/main" id="{39AD421F-DCD7-7F50-3BCF-B5168CB4991C}"/>
               </a:ext>
             </a:extLst>
           </p:cNvPr>
@@ -11931,8 +13963,8 @@
         </p:blipFill>
         <p:spPr>
           <a:xfrm>
-            <a:off x="16955" y="2981868"/>
-            <a:ext cx="4171950" cy="3209925"/>
+            <a:off x="256395" y="1453947"/>
+            <a:ext cx="4091663" cy="4521177"/>
           </a:xfrm>
           <a:prstGeom prst="rect">
             <a:avLst/>
@@ -11941,10 +13973,10 @@
       </p:pic>
       <p:pic>
         <p:nvPicPr>
-          <p:cNvPr id="7" name="Picture 6" descr="Chart, line chart&#10;&#10;Description automatically generated">
+          <p:cNvPr id="6" name="Picture 5" descr="Chart, line chart&#10;&#10;Description automatically generated">
             <a:extLst>
               <a:ext uri="{FF2B5EF4-FFF2-40B4-BE49-F238E27FC236}">
-                <a16:creationId xmlns:a16="http://schemas.microsoft.com/office/drawing/2014/main" id="{75B95D95-015B-6A3A-888B-3FAF1743E29F}"/>
+                <a16:creationId xmlns:a16="http://schemas.microsoft.com/office/drawing/2014/main" id="{C91D0DEF-7E70-0264-96C4-2E3FDBA47B31}"/>
               </a:ext>
             </a:extLst>
           </p:cNvPr>
@@ -11967,8 +13999,8 @@
         </p:blipFill>
         <p:spPr>
           <a:xfrm>
-            <a:off x="4112559" y="895225"/>
-            <a:ext cx="3790950" cy="2647950"/>
+            <a:off x="4702568" y="2435226"/>
+            <a:ext cx="2786864" cy="2007120"/>
           </a:xfrm>
           <a:prstGeom prst="rect">
             <a:avLst/>
@@ -11977,10 +14009,10 @@
       </p:pic>
       <p:pic>
         <p:nvPicPr>
-          <p:cNvPr id="9" name="Picture 8" descr="A picture containing chart&#10;&#10;Description automatically generated">
+          <p:cNvPr id="13" name="Picture 12" descr="Chart, line chart&#10;&#10;Description automatically generated">
             <a:extLst>
               <a:ext uri="{FF2B5EF4-FFF2-40B4-BE49-F238E27FC236}">
-                <a16:creationId xmlns:a16="http://schemas.microsoft.com/office/drawing/2014/main" id="{11D6BB3F-828A-8E9E-C3B2-4E6FBCD8E983}"/>
+                <a16:creationId xmlns:a16="http://schemas.microsoft.com/office/drawing/2014/main" id="{EAAF9E81-A5B0-16C5-32E9-EF74A99C6798}"/>
               </a:ext>
             </a:extLst>
           </p:cNvPr>
@@ -12003,50 +14035,73 @@
         </p:blipFill>
         <p:spPr>
           <a:xfrm>
-            <a:off x="7981510" y="1574650"/>
-            <a:ext cx="4102042" cy="4428753"/>
+            <a:off x="8009148" y="2435226"/>
+            <a:ext cx="2830183" cy="2007120"/>
           </a:xfrm>
           <a:prstGeom prst="rect">
             <a:avLst/>
           </a:prstGeom>
         </p:spPr>
       </p:pic>
-      <p:pic>
-        <p:nvPicPr>
-          <p:cNvPr id="11" name="Picture 10" descr="Chart, line chart&#10;&#10;Description automatically generated">
+      <p:sp>
+        <p:nvSpPr>
+          <p:cNvPr id="3" name="Content Placeholder 2">
             <a:extLst>
               <a:ext uri="{FF2B5EF4-FFF2-40B4-BE49-F238E27FC236}">
-                <a16:creationId xmlns:a16="http://schemas.microsoft.com/office/drawing/2014/main" id="{6D259FAE-73A7-A19B-65EB-17D193CF778E}"/>
+                <a16:creationId xmlns:a16="http://schemas.microsoft.com/office/drawing/2014/main" id="{D301743D-9DCC-4198-959B-F7AD686186BE}"/>
               </a:ext>
             </a:extLst>
           </p:cNvPr>
-          <p:cNvPicPr>
-            <a:picLocks noChangeAspect="1"/>
-          </p:cNvPicPr>
-          <p:nvPr/>
-        </p:nvPicPr>
-        <p:blipFill>
-          <a:blip r:embed="rId5">
-            <a:extLst>
-              <a:ext uri="{28A0092B-C50C-407E-A947-70E740481C1C}">
-                <a14:useLocalDpi xmlns:a14="http://schemas.microsoft.com/office/drawing/2010/main" val="0"/>
-              </a:ext>
-            </a:extLst>
-          </a:blip>
-          <a:stretch>
-            <a:fillRect/>
-          </a:stretch>
-        </p:blipFill>
+          <p:cNvSpPr>
+            <a:spLocks noGrp="1"/>
+          </p:cNvSpPr>
+          <p:nvPr>
+            <p:ph idx="1"/>
+          </p:nvPr>
+        </p:nvSpPr>
         <p:spPr>
           <a:xfrm>
-            <a:off x="4141134" y="3543843"/>
-            <a:ext cx="3733800" cy="2647950"/>
+            <a:off x="4946640" y="4834966"/>
+            <a:ext cx="4091663" cy="1630413"/>
           </a:xfrm>
-          <a:prstGeom prst="rect">
-            <a:avLst/>
-          </a:prstGeom>
         </p:spPr>
-      </p:pic>
+        <p:txBody>
+          <a:bodyPr anchor="ctr">
+            <a:normAutofit/>
+          </a:bodyPr>
+          <a:lstStyle/>
+          <a:p>
+            <a:r>
+              <a:rPr lang="en-US" dirty="0"/>
+              <a:t>CNN-SoftMax </a:t>
+            </a:r>
+            <a:br>
+              <a:rPr lang="en-US" dirty="0"/>
+            </a:br>
+            <a:r>
+              <a:rPr lang="en-US" dirty="0"/>
+              <a:t>training accuracy =94%</a:t>
+            </a:r>
+            <a:br>
+              <a:rPr lang="en-US" dirty="0"/>
+            </a:br>
+            <a:r>
+              <a:rPr lang="en-US" dirty="0"/>
+              <a:t>validation accuracy=90%</a:t>
+            </a:r>
+            <a:br>
+              <a:rPr lang="en-US" dirty="0"/>
+            </a:br>
+            <a:r>
+              <a:rPr lang="en-US" dirty="0"/>
+              <a:t>testing accuracy=88%</a:t>
+            </a:r>
+          </a:p>
+          <a:p>
+            <a:endParaRPr lang="en-US" dirty="0"/>
+          </a:p>
+        </p:txBody>
+      </p:sp>
     </p:spTree>
     <p:extLst>
       <p:ext uri="{BB962C8B-B14F-4D97-AF65-F5344CB8AC3E}">
